--- a/ForestCoverML_Presentation_editedDML.pptx
+++ b/ForestCoverML_Presentation_editedDML.pptx
@@ -5,20 +5,22 @@
     <p:sldMasterId id="2147483648" r:id="rId4"/>
   </p:sldMasterIdLst>
   <p:notesMasterIdLst>
-    <p:notesMasterId r:id="rId16"/>
+    <p:notesMasterId r:id="rId18"/>
   </p:notesMasterIdLst>
   <p:sldIdLst>
     <p:sldId id="272" r:id="rId5"/>
     <p:sldId id="268" r:id="rId6"/>
-    <p:sldId id="261" r:id="rId7"/>
-    <p:sldId id="262" r:id="rId8"/>
-    <p:sldId id="264" r:id="rId9"/>
-    <p:sldId id="277" r:id="rId10"/>
-    <p:sldId id="278" r:id="rId11"/>
-    <p:sldId id="279" r:id="rId12"/>
-    <p:sldId id="266" r:id="rId13"/>
-    <p:sldId id="269" r:id="rId14"/>
-    <p:sldId id="270" r:id="rId15"/>
+    <p:sldId id="262" r:id="rId7"/>
+    <p:sldId id="261" r:id="rId8"/>
+    <p:sldId id="266" r:id="rId9"/>
+    <p:sldId id="280" r:id="rId10"/>
+    <p:sldId id="264" r:id="rId11"/>
+    <p:sldId id="277" r:id="rId12"/>
+    <p:sldId id="279" r:id="rId13"/>
+    <p:sldId id="281" r:id="rId14"/>
+    <p:sldId id="282" r:id="rId15"/>
+    <p:sldId id="269" r:id="rId16"/>
+    <p:sldId id="270" r:id="rId17"/>
   </p:sldIdLst>
   <p:sldSz cx="12192000" cy="6858000"/>
   <p:notesSz cx="6858000" cy="9144000"/>
@@ -529,13 +531,30 @@
           <a:bodyPr/>
           <a:lstStyle/>
           <a:p>
+            <a:pPr marL="0" indent="0">
+              <a:buFont typeface="Arial" panose="020B0604020202020204" pitchFamily="34" charset="0"/>
+              <a:buNone/>
+            </a:pPr>
+            <a:r>
+              <a:rPr lang="en-US" sz="1600" b="1" u="sng" dirty="0"/>
+              <a:t>POONAM</a:t>
+            </a:r>
+          </a:p>
+          <a:p>
+            <a:pPr marL="0" indent="0">
+              <a:buFont typeface="Arial" panose="020B0604020202020204" pitchFamily="34" charset="0"/>
+              <a:buNone/>
+            </a:pPr>
+            <a:endParaRPr lang="en-US" sz="1600" dirty="0"/>
+          </a:p>
+          <a:p>
             <a:pPr marL="171450" indent="-171450">
               <a:buFont typeface="Arial" panose="020B0604020202020204" pitchFamily="34" charset="0"/>
               <a:buChar char="•"/>
             </a:pPr>
             <a:r>
               <a:rPr lang="en-US" sz="1600" dirty="0"/>
-              <a:t>Hello everyone! For our project, we decided to tackle a supervised learning forestry classification task using a data set provided by Colorado State University and accessed through the UC Irvine Machine Learning Repository.</a:t>
+              <a:t>Hello everyone! For our project, we decided to tackle a forestry classification task using a data set provided by Colorado State University and accessed through the UC Irvine Machine Learning Repository.</a:t>
             </a:r>
           </a:p>
           <a:p>
@@ -596,6 +615,391 @@
 </p:notes>
 </file>
 
+<file path=ppt/notesSlides/notesSlide10.xml><?xml version="1.0" encoding="utf-8"?>
+<p:notes xmlns:a="http://schemas.openxmlformats.org/drawingml/2006/main" xmlns:r="http://schemas.openxmlformats.org/officeDocument/2006/relationships" xmlns:p="http://schemas.openxmlformats.org/presentationml/2006/main">
+  <p:cSld>
+    <p:spTree>
+      <p:nvGrpSpPr>
+        <p:cNvPr id="1" name=""/>
+        <p:cNvGrpSpPr/>
+        <p:nvPr/>
+      </p:nvGrpSpPr>
+      <p:grpSpPr>
+        <a:xfrm>
+          <a:off x="0" y="0"/>
+          <a:ext cx="0" cy="0"/>
+          <a:chOff x="0" y="0"/>
+          <a:chExt cx="0" cy="0"/>
+        </a:xfrm>
+      </p:grpSpPr>
+      <p:sp>
+        <p:nvSpPr>
+          <p:cNvPr id="2" name="Slide Image Placeholder 1"/>
+          <p:cNvSpPr>
+            <a:spLocks noGrp="1" noRot="1" noChangeAspect="1"/>
+          </p:cNvSpPr>
+          <p:nvPr>
+            <p:ph type="sldImg"/>
+          </p:nvPr>
+        </p:nvSpPr>
+        <p:spPr/>
+      </p:sp>
+      <p:sp>
+        <p:nvSpPr>
+          <p:cNvPr id="3" name="Notes Placeholder 2"/>
+          <p:cNvSpPr>
+            <a:spLocks noGrp="1"/>
+          </p:cNvSpPr>
+          <p:nvPr>
+            <p:ph type="body" idx="1"/>
+          </p:nvPr>
+        </p:nvSpPr>
+        <p:spPr/>
+        <p:txBody>
+          <a:bodyPr/>
+          <a:lstStyle/>
+          <a:p>
+            <a:pPr marL="0" marR="0" lvl="0" indent="0" algn="l" defTabSz="914400" rtl="0" eaLnBrk="1" fontAlgn="auto" latinLnBrk="0" hangingPunct="1">
+              <a:lnSpc>
+                <a:spcPct val="100000"/>
+              </a:lnSpc>
+              <a:spcBef>
+                <a:spcPts val="0"/>
+              </a:spcBef>
+              <a:spcAft>
+                <a:spcPts val="0"/>
+              </a:spcAft>
+              <a:buClrTx/>
+              <a:buSzTx/>
+              <a:buFontTx/>
+              <a:buNone/>
+              <a:tabLst/>
+              <a:defRPr/>
+            </a:pPr>
+            <a:r>
+              <a:rPr lang="en-US" b="1" u="sng" dirty="0"/>
+              <a:t>Joel</a:t>
+            </a:r>
+          </a:p>
+          <a:p>
+            <a:endParaRPr lang="en-US" dirty="0"/>
+          </a:p>
+        </p:txBody>
+      </p:sp>
+      <p:sp>
+        <p:nvSpPr>
+          <p:cNvPr id="4" name="Slide Number Placeholder 3"/>
+          <p:cNvSpPr>
+            <a:spLocks noGrp="1"/>
+          </p:cNvSpPr>
+          <p:nvPr>
+            <p:ph type="sldNum" sz="quarter" idx="5"/>
+          </p:nvPr>
+        </p:nvSpPr>
+        <p:spPr/>
+        <p:txBody>
+          <a:bodyPr/>
+          <a:lstStyle/>
+          <a:p>
+            <a:fld id="{5E485773-E831-40C3-B08E-FE9BDAA69383}" type="slidenum">
+              <a:rPr lang="en-US" smtClean="0"/>
+              <a:t>10</a:t>
+            </a:fld>
+            <a:endParaRPr lang="en-US" dirty="0"/>
+          </a:p>
+        </p:txBody>
+      </p:sp>
+    </p:spTree>
+    <p:extLst>
+      <p:ext uri="{BB962C8B-B14F-4D97-AF65-F5344CB8AC3E}">
+        <p14:creationId xmlns:p14="http://schemas.microsoft.com/office/powerpoint/2010/main" val="1661037422"/>
+      </p:ext>
+    </p:extLst>
+  </p:cSld>
+  <p:clrMapOvr>
+    <a:masterClrMapping/>
+  </p:clrMapOvr>
+</p:notes>
+</file>
+
+<file path=ppt/notesSlides/notesSlide11.xml><?xml version="1.0" encoding="utf-8"?>
+<p:notes xmlns:a="http://schemas.openxmlformats.org/drawingml/2006/main" xmlns:r="http://schemas.openxmlformats.org/officeDocument/2006/relationships" xmlns:p="http://schemas.openxmlformats.org/presentationml/2006/main">
+  <p:cSld>
+    <p:spTree>
+      <p:nvGrpSpPr>
+        <p:cNvPr id="1" name=""/>
+        <p:cNvGrpSpPr/>
+        <p:nvPr/>
+      </p:nvGrpSpPr>
+      <p:grpSpPr>
+        <a:xfrm>
+          <a:off x="0" y="0"/>
+          <a:ext cx="0" cy="0"/>
+          <a:chOff x="0" y="0"/>
+          <a:chExt cx="0" cy="0"/>
+        </a:xfrm>
+      </p:grpSpPr>
+      <p:sp>
+        <p:nvSpPr>
+          <p:cNvPr id="2" name="Slide Image Placeholder 1"/>
+          <p:cNvSpPr>
+            <a:spLocks noGrp="1" noRot="1" noChangeAspect="1"/>
+          </p:cNvSpPr>
+          <p:nvPr>
+            <p:ph type="sldImg"/>
+          </p:nvPr>
+        </p:nvSpPr>
+        <p:spPr/>
+      </p:sp>
+      <p:sp>
+        <p:nvSpPr>
+          <p:cNvPr id="3" name="Notes Placeholder 2"/>
+          <p:cNvSpPr>
+            <a:spLocks noGrp="1"/>
+          </p:cNvSpPr>
+          <p:nvPr>
+            <p:ph type="body" idx="1"/>
+          </p:nvPr>
+        </p:nvSpPr>
+        <p:spPr/>
+        <p:txBody>
+          <a:bodyPr/>
+          <a:lstStyle/>
+          <a:p>
+            <a:pPr marL="0" marR="0" lvl="0" indent="0" algn="l" defTabSz="914400" rtl="0" eaLnBrk="1" fontAlgn="auto" latinLnBrk="0" hangingPunct="1">
+              <a:lnSpc>
+                <a:spcPct val="100000"/>
+              </a:lnSpc>
+              <a:spcBef>
+                <a:spcPts val="0"/>
+              </a:spcBef>
+              <a:spcAft>
+                <a:spcPts val="0"/>
+              </a:spcAft>
+              <a:buClrTx/>
+              <a:buSzTx/>
+              <a:buFontTx/>
+              <a:buNone/>
+              <a:tabLst/>
+              <a:defRPr/>
+            </a:pPr>
+            <a:r>
+              <a:rPr lang="en-US" b="1" u="sng" dirty="0"/>
+              <a:t>Joel</a:t>
+            </a:r>
+          </a:p>
+          <a:p>
+            <a:endParaRPr lang="en-US" dirty="0"/>
+          </a:p>
+        </p:txBody>
+      </p:sp>
+      <p:sp>
+        <p:nvSpPr>
+          <p:cNvPr id="4" name="Slide Number Placeholder 3"/>
+          <p:cNvSpPr>
+            <a:spLocks noGrp="1"/>
+          </p:cNvSpPr>
+          <p:nvPr>
+            <p:ph type="sldNum" sz="quarter" idx="5"/>
+          </p:nvPr>
+        </p:nvSpPr>
+        <p:spPr/>
+        <p:txBody>
+          <a:bodyPr/>
+          <a:lstStyle/>
+          <a:p>
+            <a:fld id="{5E485773-E831-40C3-B08E-FE9BDAA69383}" type="slidenum">
+              <a:rPr lang="en-US" smtClean="0"/>
+              <a:t>11</a:t>
+            </a:fld>
+            <a:endParaRPr lang="en-US" dirty="0"/>
+          </a:p>
+        </p:txBody>
+      </p:sp>
+    </p:spTree>
+    <p:extLst>
+      <p:ext uri="{BB962C8B-B14F-4D97-AF65-F5344CB8AC3E}">
+        <p14:creationId xmlns:p14="http://schemas.microsoft.com/office/powerpoint/2010/main" val="359700665"/>
+      </p:ext>
+    </p:extLst>
+  </p:cSld>
+  <p:clrMapOvr>
+    <a:masterClrMapping/>
+  </p:clrMapOvr>
+</p:notes>
+</file>
+
+<file path=ppt/notesSlides/notesSlide12.xml><?xml version="1.0" encoding="utf-8"?>
+<p:notes xmlns:a="http://schemas.openxmlformats.org/drawingml/2006/main" xmlns:r="http://schemas.openxmlformats.org/officeDocument/2006/relationships" xmlns:p="http://schemas.openxmlformats.org/presentationml/2006/main">
+  <p:cSld>
+    <p:spTree>
+      <p:nvGrpSpPr>
+        <p:cNvPr id="1" name=""/>
+        <p:cNvGrpSpPr/>
+        <p:nvPr/>
+      </p:nvGrpSpPr>
+      <p:grpSpPr>
+        <a:xfrm>
+          <a:off x="0" y="0"/>
+          <a:ext cx="0" cy="0"/>
+          <a:chOff x="0" y="0"/>
+          <a:chExt cx="0" cy="0"/>
+        </a:xfrm>
+      </p:grpSpPr>
+      <p:sp>
+        <p:nvSpPr>
+          <p:cNvPr id="2" name="Slide Image Placeholder 1"/>
+          <p:cNvSpPr>
+            <a:spLocks noGrp="1" noRot="1" noChangeAspect="1"/>
+          </p:cNvSpPr>
+          <p:nvPr>
+            <p:ph type="sldImg"/>
+          </p:nvPr>
+        </p:nvSpPr>
+        <p:spPr/>
+      </p:sp>
+      <p:sp>
+        <p:nvSpPr>
+          <p:cNvPr id="3" name="Notes Placeholder 2"/>
+          <p:cNvSpPr>
+            <a:spLocks noGrp="1"/>
+          </p:cNvSpPr>
+          <p:nvPr>
+            <p:ph type="body" idx="1"/>
+          </p:nvPr>
+        </p:nvSpPr>
+        <p:spPr/>
+        <p:txBody>
+          <a:bodyPr/>
+          <a:lstStyle/>
+          <a:p>
+            <a:r>
+              <a:rPr lang="en-US" b="1" u="sng" dirty="0"/>
+              <a:t>Daniel</a:t>
+            </a:r>
+          </a:p>
+        </p:txBody>
+      </p:sp>
+      <p:sp>
+        <p:nvSpPr>
+          <p:cNvPr id="4" name="Slide Number Placeholder 3"/>
+          <p:cNvSpPr>
+            <a:spLocks noGrp="1"/>
+          </p:cNvSpPr>
+          <p:nvPr>
+            <p:ph type="sldNum" sz="quarter" idx="5"/>
+          </p:nvPr>
+        </p:nvSpPr>
+        <p:spPr/>
+        <p:txBody>
+          <a:bodyPr/>
+          <a:lstStyle/>
+          <a:p>
+            <a:fld id="{5E485773-E831-40C3-B08E-FE9BDAA69383}" type="slidenum">
+              <a:rPr lang="en-US" smtClean="0"/>
+              <a:t>12</a:t>
+            </a:fld>
+            <a:endParaRPr lang="en-US" dirty="0"/>
+          </a:p>
+        </p:txBody>
+      </p:sp>
+    </p:spTree>
+    <p:extLst>
+      <p:ext uri="{BB962C8B-B14F-4D97-AF65-F5344CB8AC3E}">
+        <p14:creationId xmlns:p14="http://schemas.microsoft.com/office/powerpoint/2010/main" val="653940135"/>
+      </p:ext>
+    </p:extLst>
+  </p:cSld>
+  <p:clrMapOvr>
+    <a:masterClrMapping/>
+  </p:clrMapOvr>
+</p:notes>
+</file>
+
+<file path=ppt/notesSlides/notesSlide13.xml><?xml version="1.0" encoding="utf-8"?>
+<p:notes xmlns:a="http://schemas.openxmlformats.org/drawingml/2006/main" xmlns:r="http://schemas.openxmlformats.org/officeDocument/2006/relationships" xmlns:p="http://schemas.openxmlformats.org/presentationml/2006/main">
+  <p:cSld>
+    <p:spTree>
+      <p:nvGrpSpPr>
+        <p:cNvPr id="1" name=""/>
+        <p:cNvGrpSpPr/>
+        <p:nvPr/>
+      </p:nvGrpSpPr>
+      <p:grpSpPr>
+        <a:xfrm>
+          <a:off x="0" y="0"/>
+          <a:ext cx="0" cy="0"/>
+          <a:chOff x="0" y="0"/>
+          <a:chExt cx="0" cy="0"/>
+        </a:xfrm>
+      </p:grpSpPr>
+      <p:sp>
+        <p:nvSpPr>
+          <p:cNvPr id="2" name="Slide Image Placeholder 1"/>
+          <p:cNvSpPr>
+            <a:spLocks noGrp="1" noRot="1" noChangeAspect="1"/>
+          </p:cNvSpPr>
+          <p:nvPr>
+            <p:ph type="sldImg"/>
+          </p:nvPr>
+        </p:nvSpPr>
+        <p:spPr/>
+      </p:sp>
+      <p:sp>
+        <p:nvSpPr>
+          <p:cNvPr id="3" name="Notes Placeholder 2"/>
+          <p:cNvSpPr>
+            <a:spLocks noGrp="1"/>
+          </p:cNvSpPr>
+          <p:nvPr>
+            <p:ph type="body" idx="1"/>
+          </p:nvPr>
+        </p:nvSpPr>
+        <p:spPr/>
+        <p:txBody>
+          <a:bodyPr/>
+          <a:lstStyle/>
+          <a:p>
+            <a:endParaRPr lang="en-US" dirty="0"/>
+          </a:p>
+        </p:txBody>
+      </p:sp>
+      <p:sp>
+        <p:nvSpPr>
+          <p:cNvPr id="4" name="Slide Number Placeholder 3"/>
+          <p:cNvSpPr>
+            <a:spLocks noGrp="1"/>
+          </p:cNvSpPr>
+          <p:nvPr>
+            <p:ph type="sldNum" sz="quarter" idx="5"/>
+          </p:nvPr>
+        </p:nvSpPr>
+        <p:spPr/>
+        <p:txBody>
+          <a:bodyPr/>
+          <a:lstStyle/>
+          <a:p>
+            <a:fld id="{5E485773-E831-40C3-B08E-FE9BDAA69383}" type="slidenum">
+              <a:rPr lang="en-US" smtClean="0"/>
+              <a:t>13</a:t>
+            </a:fld>
+            <a:endParaRPr lang="en-US" dirty="0"/>
+          </a:p>
+        </p:txBody>
+      </p:sp>
+    </p:spTree>
+    <p:extLst>
+      <p:ext uri="{BB962C8B-B14F-4D97-AF65-F5344CB8AC3E}">
+        <p14:creationId xmlns:p14="http://schemas.microsoft.com/office/powerpoint/2010/main" val="505377433"/>
+      </p:ext>
+    </p:extLst>
+  </p:cSld>
+  <p:clrMapOvr>
+    <a:masterClrMapping/>
+  </p:clrMapOvr>
+</p:notes>
+</file>
+
 <file path=ppt/notesSlides/notesSlide2.xml><?xml version="1.0" encoding="utf-8"?>
 <p:notes xmlns:a="http://schemas.openxmlformats.org/drawingml/2006/main" xmlns:r="http://schemas.openxmlformats.org/officeDocument/2006/relationships" xmlns:p="http://schemas.openxmlformats.org/presentationml/2006/main">
   <p:cSld>
@@ -645,6 +1049,16 @@
               <a:buChar char="•"/>
             </a:pPr>
             <a:r>
+              <a:rPr lang="en-US" b="1" u="sng" dirty="0"/>
+              <a:t>POONAM</a:t>
+            </a:r>
+          </a:p>
+          <a:p>
+            <a:pPr marL="171450" indent="-171450">
+              <a:buFont typeface="Arial" panose="020B0604020202020204" pitchFamily="34" charset="0"/>
+              <a:buChar char="•"/>
+            </a:pPr>
+            <a:r>
               <a:rPr lang="en-US" dirty="0"/>
               <a:t>We’ll start by shedding a little more light on our motivations and explaining the nature of our data set without getting too bogged down in details. Obviously we don’t want to get into a situation where you can’t see the forest for the trees, as it were (</a:t>
             </a:r>
@@ -674,7 +1088,7 @@
             </a:pPr>
             <a:r>
               <a:rPr lang="en-US" dirty="0"/>
-              <a:t>Once we all know what we’re looking at, we can dive into the classification trials we ran and some intuition as to what each approach was.</a:t>
+              <a:t>Once we all know what we’re looking at, we can dive into the classification trials we ran and some intuition as to what each algorithm does.</a:t>
             </a:r>
           </a:p>
           <a:p>
@@ -784,6 +1198,167 @@
               <a:buChar char="•"/>
             </a:pPr>
             <a:r>
+              <a:rPr lang="en-US" b="1" u="sng" dirty="0"/>
+              <a:t>POONAM</a:t>
+            </a:r>
+          </a:p>
+          <a:p>
+            <a:pPr marL="171450" indent="-171450">
+              <a:buFont typeface="Arial" panose="020B0604020202020204" pitchFamily="34" charset="0"/>
+              <a:buChar char="•"/>
+            </a:pPr>
+            <a:r>
+              <a:rPr lang="en-US" dirty="0"/>
+              <a:t>Now we have some intuition as to what kinds of information are included in this data set, but it might not be immediately clear why we should care about the ability to predict forest cover types from cartographic variables. After all, ultimately if we can just go out and take pictures of the forest with drones or something, couldn’t we more easily classify that way?</a:t>
+            </a:r>
+          </a:p>
+          <a:p>
+            <a:pPr marL="171450" indent="-171450">
+              <a:buFont typeface="Arial" panose="020B0604020202020204" pitchFamily="34" charset="0"/>
+              <a:buChar char="•"/>
+            </a:pPr>
+            <a:r>
+              <a:rPr lang="en-US" dirty="0"/>
+              <a:t>Well sure, but what about areas where we have the cartographic information… but not the labeled data pertaining to cover type?</a:t>
+            </a:r>
+          </a:p>
+          <a:p>
+            <a:pPr marL="171450" indent="-171450">
+              <a:buFont typeface="Arial" panose="020B0604020202020204" pitchFamily="34" charset="0"/>
+              <a:buChar char="•"/>
+            </a:pPr>
+            <a:r>
+              <a:rPr lang="en-US" dirty="0"/>
+              <a:t>If we were to understand what tree species currently predominate in relatively pristine wilderness areas like the Roosevelt National Forest, that could help us figure out what types of trees used or could someday cover deforested areas where we’re seeing the most dramatic effects of the Anthropocene era.</a:t>
+            </a:r>
+          </a:p>
+          <a:p>
+            <a:pPr marL="171450" indent="-171450">
+              <a:buFont typeface="Arial" panose="020B0604020202020204" pitchFamily="34" charset="0"/>
+              <a:buChar char="•"/>
+            </a:pPr>
+            <a:r>
+              <a:rPr lang="en-US" dirty="0"/>
+              <a:t>Reforestation efforts have become a major aspect of national, corporate and individual responsibility, but ultimately if you don’t understand the land those efforts can be for naught.</a:t>
+            </a:r>
+          </a:p>
+          <a:p>
+            <a:pPr marL="171450" indent="-171450">
+              <a:buFont typeface="Arial" panose="020B0604020202020204" pitchFamily="34" charset="0"/>
+              <a:buChar char="•"/>
+            </a:pPr>
+            <a:r>
+              <a:rPr lang="en-US" dirty="0"/>
+              <a:t>That doesn’t mean reforestation is not important, though. Reforested areas act as carbon sinks, they aid in flood and fire control, and they can even improve the livability of urban areas. That said, if people are going to throw money and time at reforestation efforts, we want to make sure that the cost and time to effect are minimal, and that the ecological benefits are maximal.</a:t>
+            </a:r>
+          </a:p>
+          <a:p>
+            <a:pPr marL="171450" indent="-171450">
+              <a:buFont typeface="Arial" panose="020B0604020202020204" pitchFamily="34" charset="0"/>
+              <a:buChar char="•"/>
+            </a:pPr>
+            <a:r>
+              <a:rPr lang="en-US" dirty="0"/>
+              <a:t>And that’s why ML models like the one we’ve constructed here matter.</a:t>
+            </a:r>
+          </a:p>
+        </p:txBody>
+      </p:sp>
+      <p:sp>
+        <p:nvSpPr>
+          <p:cNvPr id="4" name="Slide Number Placeholder 3"/>
+          <p:cNvSpPr>
+            <a:spLocks noGrp="1"/>
+          </p:cNvSpPr>
+          <p:nvPr>
+            <p:ph type="sldNum" sz="quarter" idx="5"/>
+          </p:nvPr>
+        </p:nvSpPr>
+        <p:spPr/>
+        <p:txBody>
+          <a:bodyPr/>
+          <a:lstStyle/>
+          <a:p>
+            <a:fld id="{5E485773-E831-40C3-B08E-FE9BDAA69383}" type="slidenum">
+              <a:rPr lang="en-US" smtClean="0"/>
+              <a:t>3</a:t>
+            </a:fld>
+            <a:endParaRPr lang="en-US" dirty="0"/>
+          </a:p>
+        </p:txBody>
+      </p:sp>
+    </p:spTree>
+    <p:extLst>
+      <p:ext uri="{BB962C8B-B14F-4D97-AF65-F5344CB8AC3E}">
+        <p14:creationId xmlns:p14="http://schemas.microsoft.com/office/powerpoint/2010/main" val="2482016634"/>
+      </p:ext>
+    </p:extLst>
+  </p:cSld>
+  <p:clrMapOvr>
+    <a:masterClrMapping/>
+  </p:clrMapOvr>
+</p:notes>
+</file>
+
+<file path=ppt/notesSlides/notesSlide4.xml><?xml version="1.0" encoding="utf-8"?>
+<p:notes xmlns:a="http://schemas.openxmlformats.org/drawingml/2006/main" xmlns:r="http://schemas.openxmlformats.org/officeDocument/2006/relationships" xmlns:p="http://schemas.openxmlformats.org/presentationml/2006/main">
+  <p:cSld>
+    <p:spTree>
+      <p:nvGrpSpPr>
+        <p:cNvPr id="1" name=""/>
+        <p:cNvGrpSpPr/>
+        <p:nvPr/>
+      </p:nvGrpSpPr>
+      <p:grpSpPr>
+        <a:xfrm>
+          <a:off x="0" y="0"/>
+          <a:ext cx="0" cy="0"/>
+          <a:chOff x="0" y="0"/>
+          <a:chExt cx="0" cy="0"/>
+        </a:xfrm>
+      </p:grpSpPr>
+      <p:sp>
+        <p:nvSpPr>
+          <p:cNvPr id="2" name="Slide Image Placeholder 1"/>
+          <p:cNvSpPr>
+            <a:spLocks noGrp="1" noRot="1" noChangeAspect="1"/>
+          </p:cNvSpPr>
+          <p:nvPr>
+            <p:ph type="sldImg"/>
+          </p:nvPr>
+        </p:nvSpPr>
+        <p:spPr/>
+      </p:sp>
+      <p:sp>
+        <p:nvSpPr>
+          <p:cNvPr id="3" name="Notes Placeholder 2"/>
+          <p:cNvSpPr>
+            <a:spLocks noGrp="1"/>
+          </p:cNvSpPr>
+          <p:nvPr>
+            <p:ph type="body" idx="1"/>
+          </p:nvPr>
+        </p:nvSpPr>
+        <p:spPr/>
+        <p:txBody>
+          <a:bodyPr/>
+          <a:lstStyle/>
+          <a:p>
+            <a:pPr marL="171450" indent="-171450">
+              <a:buFont typeface="Arial" panose="020B0604020202020204" pitchFamily="34" charset="0"/>
+              <a:buChar char="•"/>
+            </a:pPr>
+            <a:r>
+              <a:rPr lang="en-US" b="1" u="sng" dirty="0"/>
+              <a:t>RA-CEE</a:t>
+            </a:r>
+          </a:p>
+          <a:p>
+            <a:pPr marL="171450" indent="-171450">
+              <a:buFont typeface="Arial" panose="020B0604020202020204" pitchFamily="34" charset="0"/>
+              <a:buChar char="•"/>
+            </a:pPr>
+            <a:r>
               <a:rPr lang="en-US" dirty="0"/>
               <a:t>Okay, like I said, we are dealing with a </a:t>
             </a:r>
@@ -863,7 +1438,7 @@
           <a:p>
             <a:fld id="{5E485773-E831-40C3-B08E-FE9BDAA69383}" type="slidenum">
               <a:rPr lang="en-US" smtClean="0"/>
-              <a:t>3</a:t>
+              <a:t>4</a:t>
             </a:fld>
             <a:endParaRPr lang="en-US" dirty="0"/>
           </a:p>
@@ -873,147 +1448,6 @@
     <p:extLst>
       <p:ext uri="{BB962C8B-B14F-4D97-AF65-F5344CB8AC3E}">
         <p14:creationId xmlns:p14="http://schemas.microsoft.com/office/powerpoint/2010/main" val="798257556"/>
-      </p:ext>
-    </p:extLst>
-  </p:cSld>
-  <p:clrMapOvr>
-    <a:masterClrMapping/>
-  </p:clrMapOvr>
-</p:notes>
-</file>
-
-<file path=ppt/notesSlides/notesSlide4.xml><?xml version="1.0" encoding="utf-8"?>
-<p:notes xmlns:a="http://schemas.openxmlformats.org/drawingml/2006/main" xmlns:r="http://schemas.openxmlformats.org/officeDocument/2006/relationships" xmlns:p="http://schemas.openxmlformats.org/presentationml/2006/main">
-  <p:cSld>
-    <p:spTree>
-      <p:nvGrpSpPr>
-        <p:cNvPr id="1" name=""/>
-        <p:cNvGrpSpPr/>
-        <p:nvPr/>
-      </p:nvGrpSpPr>
-      <p:grpSpPr>
-        <a:xfrm>
-          <a:off x="0" y="0"/>
-          <a:ext cx="0" cy="0"/>
-          <a:chOff x="0" y="0"/>
-          <a:chExt cx="0" cy="0"/>
-        </a:xfrm>
-      </p:grpSpPr>
-      <p:sp>
-        <p:nvSpPr>
-          <p:cNvPr id="2" name="Slide Image Placeholder 1"/>
-          <p:cNvSpPr>
-            <a:spLocks noGrp="1" noRot="1" noChangeAspect="1"/>
-          </p:cNvSpPr>
-          <p:nvPr>
-            <p:ph type="sldImg"/>
-          </p:nvPr>
-        </p:nvSpPr>
-        <p:spPr/>
-      </p:sp>
-      <p:sp>
-        <p:nvSpPr>
-          <p:cNvPr id="3" name="Notes Placeholder 2"/>
-          <p:cNvSpPr>
-            <a:spLocks noGrp="1"/>
-          </p:cNvSpPr>
-          <p:nvPr>
-            <p:ph type="body" idx="1"/>
-          </p:nvPr>
-        </p:nvSpPr>
-        <p:spPr/>
-        <p:txBody>
-          <a:bodyPr/>
-          <a:lstStyle/>
-          <a:p>
-            <a:pPr marL="171450" indent="-171450">
-              <a:buFont typeface="Arial" panose="020B0604020202020204" pitchFamily="34" charset="0"/>
-              <a:buChar char="•"/>
-            </a:pPr>
-            <a:r>
-              <a:rPr lang="en-US" dirty="0"/>
-              <a:t>Now we have some intuition as to what kinds of information are included in this data set, but it might not be immediately clear why we should care about the ability to predict forest cover types from cartographic variables. After all, ultimately if we can just go out and take pictures of the forest with drones or something, couldn’t we more easily classify that way?</a:t>
-            </a:r>
-          </a:p>
-          <a:p>
-            <a:pPr marL="171450" indent="-171450">
-              <a:buFont typeface="Arial" panose="020B0604020202020204" pitchFamily="34" charset="0"/>
-              <a:buChar char="•"/>
-            </a:pPr>
-            <a:r>
-              <a:rPr lang="en-US" dirty="0"/>
-              <a:t>Well sure, but what about areas where we have the cartographic information… but not the labeled data pertaining to cover type?</a:t>
-            </a:r>
-          </a:p>
-          <a:p>
-            <a:pPr marL="171450" indent="-171450">
-              <a:buFont typeface="Arial" panose="020B0604020202020204" pitchFamily="34" charset="0"/>
-              <a:buChar char="•"/>
-            </a:pPr>
-            <a:r>
-              <a:rPr lang="en-US" dirty="0"/>
-              <a:t>If we were to understand what tree species currently predominate in relatively pristine wilderness areas like the Roosevelt National Forest, that could help us figure out what types of trees used or could someday cover deforested areas where we’re seeing the most dramatic effects of the Anthropocene era.</a:t>
-            </a:r>
-          </a:p>
-          <a:p>
-            <a:pPr marL="171450" indent="-171450">
-              <a:buFont typeface="Arial" panose="020B0604020202020204" pitchFamily="34" charset="0"/>
-              <a:buChar char="•"/>
-            </a:pPr>
-            <a:r>
-              <a:rPr lang="en-US" dirty="0"/>
-              <a:t>Reforestation efforts have become a major aspect of national, corporate and individual responsibility, but ultimately if you don’t understand the land those efforts can be for naught.</a:t>
-            </a:r>
-          </a:p>
-          <a:p>
-            <a:pPr marL="171450" indent="-171450">
-              <a:buFont typeface="Arial" panose="020B0604020202020204" pitchFamily="34" charset="0"/>
-              <a:buChar char="•"/>
-            </a:pPr>
-            <a:r>
-              <a:rPr lang="en-US" dirty="0"/>
-              <a:t>That doesn’t mean reforestation is not important, though. Reforested areas act as carbon sinks, they aid in flood and fire control, and they can even improve the livability of urban areas. That said, if people are going to throw money and time at reforestation efforts, we want to make sure that the cost and time to effect are minimal, and that the ecological benefits are maximal.</a:t>
-            </a:r>
-          </a:p>
-          <a:p>
-            <a:pPr marL="171450" indent="-171450">
-              <a:buFont typeface="Arial" panose="020B0604020202020204" pitchFamily="34" charset="0"/>
-              <a:buChar char="•"/>
-            </a:pPr>
-            <a:r>
-              <a:rPr lang="en-US" dirty="0"/>
-              <a:t>And that’s why ML models like the one we’ve constructed here matter.</a:t>
-            </a:r>
-          </a:p>
-        </p:txBody>
-      </p:sp>
-      <p:sp>
-        <p:nvSpPr>
-          <p:cNvPr id="4" name="Slide Number Placeholder 3"/>
-          <p:cNvSpPr>
-            <a:spLocks noGrp="1"/>
-          </p:cNvSpPr>
-          <p:nvPr>
-            <p:ph type="sldNum" sz="quarter" idx="5"/>
-          </p:nvPr>
-        </p:nvSpPr>
-        <p:spPr/>
-        <p:txBody>
-          <a:bodyPr/>
-          <a:lstStyle/>
-          <a:p>
-            <a:fld id="{5E485773-E831-40C3-B08E-FE9BDAA69383}" type="slidenum">
-              <a:rPr lang="en-US" smtClean="0"/>
-              <a:t>4</a:t>
-            </a:fld>
-            <a:endParaRPr lang="en-US" dirty="0"/>
-          </a:p>
-        </p:txBody>
-      </p:sp>
-    </p:spTree>
-    <p:extLst>
-      <p:ext uri="{BB962C8B-B14F-4D97-AF65-F5344CB8AC3E}">
-        <p14:creationId xmlns:p14="http://schemas.microsoft.com/office/powerpoint/2010/main" val="2482016634"/>
       </p:ext>
     </p:extLst>
   </p:cSld>
@@ -1067,7 +1501,11 @@
           <a:bodyPr/>
           <a:lstStyle/>
           <a:p>
-            <a:endParaRPr lang="en-US" dirty="0"/>
+            <a:r>
+              <a:rPr lang="en-US" b="1" dirty="0" err="1"/>
+              <a:t>Racee</a:t>
+            </a:r>
+            <a:endParaRPr lang="en-US" b="1" dirty="0"/>
           </a:p>
         </p:txBody>
       </p:sp>
@@ -1088,7 +1526,7 @@
           <a:p>
             <a:fld id="{5E485773-E831-40C3-B08E-FE9BDAA69383}" type="slidenum">
               <a:rPr lang="en-US" smtClean="0"/>
-              <a:t>7</a:t>
+              <a:t>5</a:t>
             </a:fld>
             <a:endParaRPr lang="en-US" dirty="0"/>
           </a:p>
@@ -1097,7 +1535,7 @@
     </p:spTree>
     <p:extLst>
       <p:ext uri="{BB962C8B-B14F-4D97-AF65-F5344CB8AC3E}">
-        <p14:creationId xmlns:p14="http://schemas.microsoft.com/office/powerpoint/2010/main" val="1245519629"/>
+        <p14:creationId xmlns:p14="http://schemas.microsoft.com/office/powerpoint/2010/main" val="2539997905"/>
       </p:ext>
     </p:extLst>
   </p:cSld>
@@ -1151,7 +1589,10 @@
           <a:bodyPr/>
           <a:lstStyle/>
           <a:p>
-            <a:endParaRPr lang="en-US" dirty="0"/>
+            <a:r>
+              <a:rPr lang="en-US" b="1" u="sng" dirty="0"/>
+              <a:t>David</a:t>
+            </a:r>
           </a:p>
         </p:txBody>
       </p:sp>
@@ -1172,7 +1613,7 @@
           <a:p>
             <a:fld id="{5E485773-E831-40C3-B08E-FE9BDAA69383}" type="slidenum">
               <a:rPr lang="en-US" smtClean="0"/>
-              <a:t>10</a:t>
+              <a:t>6</a:t>
             </a:fld>
             <a:endParaRPr lang="en-US" dirty="0"/>
           </a:p>
@@ -1181,7 +1622,7 @@
     </p:spTree>
     <p:extLst>
       <p:ext uri="{BB962C8B-B14F-4D97-AF65-F5344CB8AC3E}">
-        <p14:creationId xmlns:p14="http://schemas.microsoft.com/office/powerpoint/2010/main" val="653940135"/>
+        <p14:creationId xmlns:p14="http://schemas.microsoft.com/office/powerpoint/2010/main" val="3791431817"/>
       </p:ext>
     </p:extLst>
   </p:cSld>
@@ -1235,7 +1676,10 @@
           <a:bodyPr/>
           <a:lstStyle/>
           <a:p>
-            <a:endParaRPr lang="en-US" dirty="0"/>
+            <a:r>
+              <a:rPr lang="en-US" b="1" u="sng" dirty="0"/>
+              <a:t>David</a:t>
+            </a:r>
           </a:p>
         </p:txBody>
       </p:sp>
@@ -1256,7 +1700,7 @@
           <a:p>
             <a:fld id="{5E485773-E831-40C3-B08E-FE9BDAA69383}" type="slidenum">
               <a:rPr lang="en-US" smtClean="0"/>
-              <a:t>11</a:t>
+              <a:t>7</a:t>
             </a:fld>
             <a:endParaRPr lang="en-US" dirty="0"/>
           </a:p>
@@ -1265,7 +1709,181 @@
     </p:spTree>
     <p:extLst>
       <p:ext uri="{BB962C8B-B14F-4D97-AF65-F5344CB8AC3E}">
-        <p14:creationId xmlns:p14="http://schemas.microsoft.com/office/powerpoint/2010/main" val="505377433"/>
+        <p14:creationId xmlns:p14="http://schemas.microsoft.com/office/powerpoint/2010/main" val="3925374481"/>
+      </p:ext>
+    </p:extLst>
+  </p:cSld>
+  <p:clrMapOvr>
+    <a:masterClrMapping/>
+  </p:clrMapOvr>
+</p:notes>
+</file>
+
+<file path=ppt/notesSlides/notesSlide8.xml><?xml version="1.0" encoding="utf-8"?>
+<p:notes xmlns:a="http://schemas.openxmlformats.org/drawingml/2006/main" xmlns:r="http://schemas.openxmlformats.org/officeDocument/2006/relationships" xmlns:p="http://schemas.openxmlformats.org/presentationml/2006/main">
+  <p:cSld>
+    <p:spTree>
+      <p:nvGrpSpPr>
+        <p:cNvPr id="1" name=""/>
+        <p:cNvGrpSpPr/>
+        <p:nvPr/>
+      </p:nvGrpSpPr>
+      <p:grpSpPr>
+        <a:xfrm>
+          <a:off x="0" y="0"/>
+          <a:ext cx="0" cy="0"/>
+          <a:chOff x="0" y="0"/>
+          <a:chExt cx="0" cy="0"/>
+        </a:xfrm>
+      </p:grpSpPr>
+      <p:sp>
+        <p:nvSpPr>
+          <p:cNvPr id="2" name="Slide Image Placeholder 1"/>
+          <p:cNvSpPr>
+            <a:spLocks noGrp="1" noRot="1" noChangeAspect="1"/>
+          </p:cNvSpPr>
+          <p:nvPr>
+            <p:ph type="sldImg"/>
+          </p:nvPr>
+        </p:nvSpPr>
+        <p:spPr/>
+      </p:sp>
+      <p:sp>
+        <p:nvSpPr>
+          <p:cNvPr id="3" name="Notes Placeholder 2"/>
+          <p:cNvSpPr>
+            <a:spLocks noGrp="1"/>
+          </p:cNvSpPr>
+          <p:nvPr>
+            <p:ph type="body" idx="1"/>
+          </p:nvPr>
+        </p:nvSpPr>
+        <p:spPr/>
+        <p:txBody>
+          <a:bodyPr/>
+          <a:lstStyle/>
+          <a:p>
+            <a:r>
+              <a:rPr lang="en-US" b="1" u="sng" dirty="0"/>
+              <a:t>Daniel</a:t>
+            </a:r>
+          </a:p>
+        </p:txBody>
+      </p:sp>
+      <p:sp>
+        <p:nvSpPr>
+          <p:cNvPr id="4" name="Slide Number Placeholder 3"/>
+          <p:cNvSpPr>
+            <a:spLocks noGrp="1"/>
+          </p:cNvSpPr>
+          <p:nvPr>
+            <p:ph type="sldNum" sz="quarter" idx="5"/>
+          </p:nvPr>
+        </p:nvSpPr>
+        <p:spPr/>
+        <p:txBody>
+          <a:bodyPr/>
+          <a:lstStyle/>
+          <a:p>
+            <a:fld id="{5E485773-E831-40C3-B08E-FE9BDAA69383}" type="slidenum">
+              <a:rPr lang="en-US" smtClean="0"/>
+              <a:t>8</a:t>
+            </a:fld>
+            <a:endParaRPr lang="en-US" dirty="0"/>
+          </a:p>
+        </p:txBody>
+      </p:sp>
+    </p:spTree>
+    <p:extLst>
+      <p:ext uri="{BB962C8B-B14F-4D97-AF65-F5344CB8AC3E}">
+        <p14:creationId xmlns:p14="http://schemas.microsoft.com/office/powerpoint/2010/main" val="2278594723"/>
+      </p:ext>
+    </p:extLst>
+  </p:cSld>
+  <p:clrMapOvr>
+    <a:masterClrMapping/>
+  </p:clrMapOvr>
+</p:notes>
+</file>
+
+<file path=ppt/notesSlides/notesSlide9.xml><?xml version="1.0" encoding="utf-8"?>
+<p:notes xmlns:a="http://schemas.openxmlformats.org/drawingml/2006/main" xmlns:r="http://schemas.openxmlformats.org/officeDocument/2006/relationships" xmlns:p="http://schemas.openxmlformats.org/presentationml/2006/main">
+  <p:cSld>
+    <p:spTree>
+      <p:nvGrpSpPr>
+        <p:cNvPr id="1" name=""/>
+        <p:cNvGrpSpPr/>
+        <p:nvPr/>
+      </p:nvGrpSpPr>
+      <p:grpSpPr>
+        <a:xfrm>
+          <a:off x="0" y="0"/>
+          <a:ext cx="0" cy="0"/>
+          <a:chOff x="0" y="0"/>
+          <a:chExt cx="0" cy="0"/>
+        </a:xfrm>
+      </p:grpSpPr>
+      <p:sp>
+        <p:nvSpPr>
+          <p:cNvPr id="2" name="Slide Image Placeholder 1"/>
+          <p:cNvSpPr>
+            <a:spLocks noGrp="1" noRot="1" noChangeAspect="1"/>
+          </p:cNvSpPr>
+          <p:nvPr>
+            <p:ph type="sldImg"/>
+          </p:nvPr>
+        </p:nvSpPr>
+        <p:spPr/>
+      </p:sp>
+      <p:sp>
+        <p:nvSpPr>
+          <p:cNvPr id="3" name="Notes Placeholder 2"/>
+          <p:cNvSpPr>
+            <a:spLocks noGrp="1"/>
+          </p:cNvSpPr>
+          <p:nvPr>
+            <p:ph type="body" idx="1"/>
+          </p:nvPr>
+        </p:nvSpPr>
+        <p:spPr/>
+        <p:txBody>
+          <a:bodyPr/>
+          <a:lstStyle/>
+          <a:p>
+            <a:r>
+              <a:rPr lang="en-US" b="1" u="sng" dirty="0"/>
+              <a:t>Joel</a:t>
+            </a:r>
+          </a:p>
+        </p:txBody>
+      </p:sp>
+      <p:sp>
+        <p:nvSpPr>
+          <p:cNvPr id="4" name="Slide Number Placeholder 3"/>
+          <p:cNvSpPr>
+            <a:spLocks noGrp="1"/>
+          </p:cNvSpPr>
+          <p:nvPr>
+            <p:ph type="sldNum" sz="quarter" idx="5"/>
+          </p:nvPr>
+        </p:nvSpPr>
+        <p:spPr/>
+        <p:txBody>
+          <a:bodyPr/>
+          <a:lstStyle/>
+          <a:p>
+            <a:fld id="{5E485773-E831-40C3-B08E-FE9BDAA69383}" type="slidenum">
+              <a:rPr lang="en-US" smtClean="0"/>
+              <a:t>9</a:t>
+            </a:fld>
+            <a:endParaRPr lang="en-US" dirty="0"/>
+          </a:p>
+        </p:txBody>
+      </p:sp>
+    </p:spTree>
+    <p:extLst>
+      <p:ext uri="{BB962C8B-B14F-4D97-AF65-F5344CB8AC3E}">
+        <p14:creationId xmlns:p14="http://schemas.microsoft.com/office/powerpoint/2010/main" val="754087236"/>
       </p:ext>
     </p:extLst>
   </p:cSld>
@@ -34464,23 +35082,16 @@
                 <a:latin typeface="Times New Roman" panose="02020603050405020304" pitchFamily="18" charset="0"/>
                 <a:cs typeface="Times New Roman" panose="02020603050405020304" pitchFamily="18" charset="0"/>
               </a:rPr>
-              <a:t>Poonam ?????</a:t>
+              <a:t>Poonam FANDAN</a:t>
             </a:r>
           </a:p>
           <a:p>
-            <a:r>
-              <a:rPr lang="en-US" sz="1400" dirty="0" err="1">
-                <a:latin typeface="Times New Roman" panose="02020603050405020304" pitchFamily="18" charset="0"/>
-                <a:cs typeface="Times New Roman" panose="02020603050405020304" pitchFamily="18" charset="0"/>
-              </a:rPr>
-              <a:t>Racee</a:t>
-            </a:r>
             <a:r>
               <a:rPr lang="en-US" sz="1400" dirty="0">
                 <a:latin typeface="Times New Roman" panose="02020603050405020304" pitchFamily="18" charset="0"/>
                 <a:cs typeface="Times New Roman" panose="02020603050405020304" pitchFamily="18" charset="0"/>
               </a:rPr>
-              <a:t> Lucas</a:t>
+              <a:t>Ra-cee Lucas</a:t>
             </a:r>
           </a:p>
           <a:p>
@@ -34542,6 +35153,570 @@
 </file>
 
 <file path=ppt/slides/slide10.xml><?xml version="1.0" encoding="utf-8"?>
+<p:sld xmlns:a="http://schemas.openxmlformats.org/drawingml/2006/main" xmlns:r="http://schemas.openxmlformats.org/officeDocument/2006/relationships" xmlns:p="http://schemas.openxmlformats.org/presentationml/2006/main">
+  <p:cSld>
+    <p:spTree>
+      <p:nvGrpSpPr>
+        <p:cNvPr id="1" name=""/>
+        <p:cNvGrpSpPr/>
+        <p:nvPr/>
+      </p:nvGrpSpPr>
+      <p:grpSpPr>
+        <a:xfrm>
+          <a:off x="0" y="0"/>
+          <a:ext cx="0" cy="0"/>
+          <a:chOff x="0" y="0"/>
+          <a:chExt cx="0" cy="0"/>
+        </a:xfrm>
+      </p:grpSpPr>
+      <p:sp>
+        <p:nvSpPr>
+          <p:cNvPr id="2" name="Title 1">
+            <a:extLst>
+              <a:ext uri="{FF2B5EF4-FFF2-40B4-BE49-F238E27FC236}">
+                <a16:creationId xmlns:a16="http://schemas.microsoft.com/office/drawing/2014/main" id="{ABB74EDE-E9E4-A20F-195A-85BE1D6B49B2}"/>
+              </a:ext>
+            </a:extLst>
+          </p:cNvPr>
+          <p:cNvSpPr>
+            <a:spLocks noGrp="1"/>
+          </p:cNvSpPr>
+          <p:nvPr>
+            <p:ph type="title"/>
+          </p:nvPr>
+        </p:nvSpPr>
+        <p:spPr>
+          <a:xfrm>
+            <a:off x="839788" y="665629"/>
+            <a:ext cx="10515600" cy="818995"/>
+          </a:xfrm>
+        </p:spPr>
+        <p:txBody>
+          <a:bodyPr anchor="ctr">
+            <a:normAutofit/>
+          </a:bodyPr>
+          <a:lstStyle/>
+          <a:p>
+            <a:r>
+              <a:rPr lang="en-US" dirty="0"/>
+              <a:t>Results</a:t>
+            </a:r>
+          </a:p>
+        </p:txBody>
+      </p:sp>
+      <p:sp>
+        <p:nvSpPr>
+          <p:cNvPr id="33" name="Text Placeholder 4">
+            <a:extLst>
+              <a:ext uri="{FF2B5EF4-FFF2-40B4-BE49-F238E27FC236}">
+                <a16:creationId xmlns:a16="http://schemas.microsoft.com/office/drawing/2014/main" id="{34364ABC-F501-477B-E2AF-73C2466E66C3}"/>
+              </a:ext>
+            </a:extLst>
+          </p:cNvPr>
+          <p:cNvSpPr>
+            <a:spLocks noGrp="1"/>
+          </p:cNvSpPr>
+          <p:nvPr>
+            <p:ph type="body" sz="quarter" idx="3"/>
+          </p:nvPr>
+        </p:nvSpPr>
+        <p:spPr>
+          <a:xfrm>
+            <a:off x="6169024" y="1806038"/>
+            <a:ext cx="5183188" cy="584549"/>
+          </a:xfrm>
+        </p:spPr>
+        <p:txBody>
+          <a:bodyPr/>
+          <a:lstStyle/>
+          <a:p>
+            <a:r>
+              <a:rPr lang="en-US" dirty="0"/>
+              <a:t>Machine Learning type 2</a:t>
+            </a:r>
+          </a:p>
+        </p:txBody>
+      </p:sp>
+      <p:sp>
+        <p:nvSpPr>
+          <p:cNvPr id="35" name="Content Placeholder 5">
+            <a:extLst>
+              <a:ext uri="{FF2B5EF4-FFF2-40B4-BE49-F238E27FC236}">
+                <a16:creationId xmlns:a16="http://schemas.microsoft.com/office/drawing/2014/main" id="{4E138987-9A07-4A4D-0432-DA6BF76DCFC2}"/>
+              </a:ext>
+            </a:extLst>
+          </p:cNvPr>
+          <p:cNvSpPr>
+            <a:spLocks noGrp="1"/>
+          </p:cNvSpPr>
+          <p:nvPr>
+            <p:ph sz="quarter" idx="4"/>
+          </p:nvPr>
+        </p:nvSpPr>
+        <p:spPr>
+          <a:xfrm>
+            <a:off x="6169024" y="2390588"/>
+            <a:ext cx="5183188" cy="3751268"/>
+          </a:xfrm>
+        </p:spPr>
+        <p:txBody>
+          <a:bodyPr/>
+          <a:lstStyle/>
+          <a:p>
+            <a:r>
+              <a:rPr lang="en-US" dirty="0"/>
+              <a:t>Results </a:t>
+            </a:r>
+          </a:p>
+        </p:txBody>
+      </p:sp>
+      <p:sp>
+        <p:nvSpPr>
+          <p:cNvPr id="4" name="Date Placeholder 3">
+            <a:extLst>
+              <a:ext uri="{FF2B5EF4-FFF2-40B4-BE49-F238E27FC236}">
+                <a16:creationId xmlns:a16="http://schemas.microsoft.com/office/drawing/2014/main" id="{456F3C0F-8280-065A-827C-08E0F5C01B29}"/>
+              </a:ext>
+            </a:extLst>
+          </p:cNvPr>
+          <p:cNvSpPr>
+            <a:spLocks noGrp="1"/>
+          </p:cNvSpPr>
+          <p:nvPr>
+            <p:ph type="dt" sz="half" idx="10"/>
+          </p:nvPr>
+        </p:nvSpPr>
+        <p:spPr>
+          <a:xfrm>
+            <a:off x="258792" y="6356350"/>
+            <a:ext cx="3322608" cy="365125"/>
+          </a:xfrm>
+        </p:spPr>
+        <p:txBody>
+          <a:bodyPr anchor="ctr">
+            <a:normAutofit/>
+          </a:bodyPr>
+          <a:lstStyle/>
+          <a:p>
+            <a:pPr>
+              <a:spcAft>
+                <a:spcPts val="600"/>
+              </a:spcAft>
+            </a:pPr>
+            <a:r>
+              <a:rPr lang="en-US" dirty="0"/>
+              <a:t>2023</a:t>
+            </a:r>
+          </a:p>
+        </p:txBody>
+      </p:sp>
+      <p:sp>
+        <p:nvSpPr>
+          <p:cNvPr id="5" name="Footer Placeholder 4">
+            <a:extLst>
+              <a:ext uri="{FF2B5EF4-FFF2-40B4-BE49-F238E27FC236}">
+                <a16:creationId xmlns:a16="http://schemas.microsoft.com/office/drawing/2014/main" id="{9A8E7427-EF76-4ADE-E84C-2D205A121B99}"/>
+              </a:ext>
+            </a:extLst>
+          </p:cNvPr>
+          <p:cNvSpPr>
+            <a:spLocks noGrp="1"/>
+          </p:cNvSpPr>
+          <p:nvPr>
+            <p:ph type="ftr" sz="quarter" idx="11"/>
+          </p:nvPr>
+        </p:nvSpPr>
+        <p:spPr>
+          <a:xfrm>
+            <a:off x="3581399" y="6356350"/>
+            <a:ext cx="5029203" cy="365125"/>
+          </a:xfrm>
+        </p:spPr>
+        <p:txBody>
+          <a:bodyPr anchor="ctr">
+            <a:normAutofit/>
+          </a:bodyPr>
+          <a:lstStyle/>
+          <a:p>
+            <a:r>
+              <a:rPr lang="en-US" dirty="0"/>
+              <a:t>Forest Cover Prediction – ML Models</a:t>
+            </a:r>
+          </a:p>
+        </p:txBody>
+      </p:sp>
+      <p:sp>
+        <p:nvSpPr>
+          <p:cNvPr id="6" name="Slide Number Placeholder 5">
+            <a:extLst>
+              <a:ext uri="{FF2B5EF4-FFF2-40B4-BE49-F238E27FC236}">
+                <a16:creationId xmlns:a16="http://schemas.microsoft.com/office/drawing/2014/main" id="{6B3A6227-18C7-AD16-5B9D-1FC3447F4CEB}"/>
+              </a:ext>
+            </a:extLst>
+          </p:cNvPr>
+          <p:cNvSpPr>
+            <a:spLocks noGrp="1"/>
+          </p:cNvSpPr>
+          <p:nvPr>
+            <p:ph type="sldNum" sz="quarter" idx="12"/>
+          </p:nvPr>
+        </p:nvSpPr>
+        <p:spPr>
+          <a:xfrm>
+            <a:off x="10518474" y="6356350"/>
+            <a:ext cx="1414733" cy="365125"/>
+          </a:xfrm>
+        </p:spPr>
+        <p:txBody>
+          <a:bodyPr anchor="ctr">
+            <a:normAutofit/>
+          </a:bodyPr>
+          <a:lstStyle/>
+          <a:p>
+            <a:pPr>
+              <a:spcAft>
+                <a:spcPts val="600"/>
+              </a:spcAft>
+            </a:pPr>
+            <a:fld id="{AE208ADF-3ADD-483D-A721-14E3EEE2C135}" type="slidenum">
+              <a:rPr lang="en-US" smtClean="0"/>
+              <a:pPr>
+                <a:spcAft>
+                  <a:spcPts val="600"/>
+                </a:spcAft>
+              </a:pPr>
+              <a:t>10</a:t>
+            </a:fld>
+            <a:endParaRPr lang="en-US"/>
+          </a:p>
+        </p:txBody>
+      </p:sp>
+      <p:pic>
+        <p:nvPicPr>
+          <p:cNvPr id="13" name="Picture 12" descr="A picture containing text, screenshot, diagram, line&#10;&#10;Description automatically generated">
+            <a:extLst>
+              <a:ext uri="{FF2B5EF4-FFF2-40B4-BE49-F238E27FC236}">
+                <a16:creationId xmlns:a16="http://schemas.microsoft.com/office/drawing/2014/main" id="{59D4ACB4-D8CA-27B7-203E-7065DF628363}"/>
+              </a:ext>
+            </a:extLst>
+          </p:cNvPr>
+          <p:cNvPicPr>
+            <a:picLocks noChangeAspect="1"/>
+          </p:cNvPicPr>
+          <p:nvPr/>
+        </p:nvPicPr>
+        <p:blipFill>
+          <a:blip r:embed="rId3"/>
+          <a:stretch>
+            <a:fillRect/>
+          </a:stretch>
+        </p:blipFill>
+        <p:spPr>
+          <a:xfrm>
+            <a:off x="839787" y="1806038"/>
+            <a:ext cx="4860621" cy="4445690"/>
+          </a:xfrm>
+          <a:prstGeom prst="rect">
+            <a:avLst/>
+          </a:prstGeom>
+        </p:spPr>
+      </p:pic>
+    </p:spTree>
+    <p:extLst>
+      <p:ext uri="{BB962C8B-B14F-4D97-AF65-F5344CB8AC3E}">
+        <p14:creationId xmlns:p14="http://schemas.microsoft.com/office/powerpoint/2010/main" val="2094640220"/>
+      </p:ext>
+    </p:extLst>
+  </p:cSld>
+  <p:clrMapOvr>
+    <a:masterClrMapping/>
+  </p:clrMapOvr>
+</p:sld>
+</file>
+
+<file path=ppt/slides/slide11.xml><?xml version="1.0" encoding="utf-8"?>
+<p:sld xmlns:a="http://schemas.openxmlformats.org/drawingml/2006/main" xmlns:r="http://schemas.openxmlformats.org/officeDocument/2006/relationships" xmlns:p="http://schemas.openxmlformats.org/presentationml/2006/main">
+  <p:cSld>
+    <p:spTree>
+      <p:nvGrpSpPr>
+        <p:cNvPr id="1" name=""/>
+        <p:cNvGrpSpPr/>
+        <p:nvPr/>
+      </p:nvGrpSpPr>
+      <p:grpSpPr>
+        <a:xfrm>
+          <a:off x="0" y="0"/>
+          <a:ext cx="0" cy="0"/>
+          <a:chOff x="0" y="0"/>
+          <a:chExt cx="0" cy="0"/>
+        </a:xfrm>
+      </p:grpSpPr>
+      <p:sp>
+        <p:nvSpPr>
+          <p:cNvPr id="2" name="Title 1">
+            <a:extLst>
+              <a:ext uri="{FF2B5EF4-FFF2-40B4-BE49-F238E27FC236}">
+                <a16:creationId xmlns:a16="http://schemas.microsoft.com/office/drawing/2014/main" id="{ABB74EDE-E9E4-A20F-195A-85BE1D6B49B2}"/>
+              </a:ext>
+            </a:extLst>
+          </p:cNvPr>
+          <p:cNvSpPr>
+            <a:spLocks noGrp="1"/>
+          </p:cNvSpPr>
+          <p:nvPr>
+            <p:ph type="title"/>
+          </p:nvPr>
+        </p:nvSpPr>
+        <p:spPr>
+          <a:xfrm>
+            <a:off x="839788" y="665629"/>
+            <a:ext cx="10515600" cy="818995"/>
+          </a:xfrm>
+        </p:spPr>
+        <p:txBody>
+          <a:bodyPr anchor="ctr">
+            <a:normAutofit/>
+          </a:bodyPr>
+          <a:lstStyle/>
+          <a:p>
+            <a:r>
+              <a:rPr lang="en-US" dirty="0"/>
+              <a:t>Results</a:t>
+            </a:r>
+          </a:p>
+        </p:txBody>
+      </p:sp>
+      <p:sp>
+        <p:nvSpPr>
+          <p:cNvPr id="33" name="Text Placeholder 4">
+            <a:extLst>
+              <a:ext uri="{FF2B5EF4-FFF2-40B4-BE49-F238E27FC236}">
+                <a16:creationId xmlns:a16="http://schemas.microsoft.com/office/drawing/2014/main" id="{34364ABC-F501-477B-E2AF-73C2466E66C3}"/>
+              </a:ext>
+            </a:extLst>
+          </p:cNvPr>
+          <p:cNvSpPr>
+            <a:spLocks noGrp="1"/>
+          </p:cNvSpPr>
+          <p:nvPr>
+            <p:ph type="body" sz="quarter" idx="3"/>
+          </p:nvPr>
+        </p:nvSpPr>
+        <p:spPr>
+          <a:xfrm>
+            <a:off x="6169024" y="1806038"/>
+            <a:ext cx="5183188" cy="584549"/>
+          </a:xfrm>
+        </p:spPr>
+        <p:txBody>
+          <a:bodyPr/>
+          <a:lstStyle/>
+          <a:p>
+            <a:r>
+              <a:rPr lang="en-US" dirty="0"/>
+              <a:t>Machine Learning type 2</a:t>
+            </a:r>
+          </a:p>
+        </p:txBody>
+      </p:sp>
+      <p:sp>
+        <p:nvSpPr>
+          <p:cNvPr id="35" name="Content Placeholder 5">
+            <a:extLst>
+              <a:ext uri="{FF2B5EF4-FFF2-40B4-BE49-F238E27FC236}">
+                <a16:creationId xmlns:a16="http://schemas.microsoft.com/office/drawing/2014/main" id="{4E138987-9A07-4A4D-0432-DA6BF76DCFC2}"/>
+              </a:ext>
+            </a:extLst>
+          </p:cNvPr>
+          <p:cNvSpPr>
+            <a:spLocks noGrp="1"/>
+          </p:cNvSpPr>
+          <p:nvPr>
+            <p:ph sz="quarter" idx="4"/>
+          </p:nvPr>
+        </p:nvSpPr>
+        <p:spPr>
+          <a:xfrm>
+            <a:off x="6169024" y="2390588"/>
+            <a:ext cx="5183188" cy="3751268"/>
+          </a:xfrm>
+        </p:spPr>
+        <p:txBody>
+          <a:bodyPr/>
+          <a:lstStyle/>
+          <a:p>
+            <a:r>
+              <a:rPr lang="en-US" dirty="0"/>
+              <a:t>Results </a:t>
+            </a:r>
+          </a:p>
+        </p:txBody>
+      </p:sp>
+      <p:sp>
+        <p:nvSpPr>
+          <p:cNvPr id="4" name="Date Placeholder 3">
+            <a:extLst>
+              <a:ext uri="{FF2B5EF4-FFF2-40B4-BE49-F238E27FC236}">
+                <a16:creationId xmlns:a16="http://schemas.microsoft.com/office/drawing/2014/main" id="{456F3C0F-8280-065A-827C-08E0F5C01B29}"/>
+              </a:ext>
+            </a:extLst>
+          </p:cNvPr>
+          <p:cNvSpPr>
+            <a:spLocks noGrp="1"/>
+          </p:cNvSpPr>
+          <p:nvPr>
+            <p:ph type="dt" sz="half" idx="10"/>
+          </p:nvPr>
+        </p:nvSpPr>
+        <p:spPr>
+          <a:xfrm>
+            <a:off x="258792" y="6356350"/>
+            <a:ext cx="3322608" cy="365125"/>
+          </a:xfrm>
+        </p:spPr>
+        <p:txBody>
+          <a:bodyPr anchor="ctr">
+            <a:normAutofit/>
+          </a:bodyPr>
+          <a:lstStyle/>
+          <a:p>
+            <a:pPr>
+              <a:spcAft>
+                <a:spcPts val="600"/>
+              </a:spcAft>
+            </a:pPr>
+            <a:r>
+              <a:rPr lang="en-US" dirty="0"/>
+              <a:t>2023</a:t>
+            </a:r>
+          </a:p>
+        </p:txBody>
+      </p:sp>
+      <p:sp>
+        <p:nvSpPr>
+          <p:cNvPr id="5" name="Footer Placeholder 4">
+            <a:extLst>
+              <a:ext uri="{FF2B5EF4-FFF2-40B4-BE49-F238E27FC236}">
+                <a16:creationId xmlns:a16="http://schemas.microsoft.com/office/drawing/2014/main" id="{9A8E7427-EF76-4ADE-E84C-2D205A121B99}"/>
+              </a:ext>
+            </a:extLst>
+          </p:cNvPr>
+          <p:cNvSpPr>
+            <a:spLocks noGrp="1"/>
+          </p:cNvSpPr>
+          <p:nvPr>
+            <p:ph type="ftr" sz="quarter" idx="11"/>
+          </p:nvPr>
+        </p:nvSpPr>
+        <p:spPr>
+          <a:xfrm>
+            <a:off x="3581399" y="6356350"/>
+            <a:ext cx="5029203" cy="365125"/>
+          </a:xfrm>
+        </p:spPr>
+        <p:txBody>
+          <a:bodyPr anchor="ctr">
+            <a:normAutofit/>
+          </a:bodyPr>
+          <a:lstStyle/>
+          <a:p>
+            <a:r>
+              <a:rPr lang="en-US" dirty="0"/>
+              <a:t>Forest Cover Prediction – ML Models</a:t>
+            </a:r>
+          </a:p>
+        </p:txBody>
+      </p:sp>
+      <p:sp>
+        <p:nvSpPr>
+          <p:cNvPr id="6" name="Slide Number Placeholder 5">
+            <a:extLst>
+              <a:ext uri="{FF2B5EF4-FFF2-40B4-BE49-F238E27FC236}">
+                <a16:creationId xmlns:a16="http://schemas.microsoft.com/office/drawing/2014/main" id="{6B3A6227-18C7-AD16-5B9D-1FC3447F4CEB}"/>
+              </a:ext>
+            </a:extLst>
+          </p:cNvPr>
+          <p:cNvSpPr>
+            <a:spLocks noGrp="1"/>
+          </p:cNvSpPr>
+          <p:nvPr>
+            <p:ph type="sldNum" sz="quarter" idx="12"/>
+          </p:nvPr>
+        </p:nvSpPr>
+        <p:spPr>
+          <a:xfrm>
+            <a:off x="10518474" y="6356350"/>
+            <a:ext cx="1414733" cy="365125"/>
+          </a:xfrm>
+        </p:spPr>
+        <p:txBody>
+          <a:bodyPr anchor="ctr">
+            <a:normAutofit/>
+          </a:bodyPr>
+          <a:lstStyle/>
+          <a:p>
+            <a:pPr>
+              <a:spcAft>
+                <a:spcPts val="600"/>
+              </a:spcAft>
+            </a:pPr>
+            <a:fld id="{AE208ADF-3ADD-483D-A721-14E3EEE2C135}" type="slidenum">
+              <a:rPr lang="en-US" smtClean="0"/>
+              <a:pPr>
+                <a:spcAft>
+                  <a:spcPts val="600"/>
+                </a:spcAft>
+              </a:pPr>
+              <a:t>11</a:t>
+            </a:fld>
+            <a:endParaRPr lang="en-US"/>
+          </a:p>
+        </p:txBody>
+      </p:sp>
+      <p:pic>
+        <p:nvPicPr>
+          <p:cNvPr id="15" name="Picture 14" descr="A picture containing text, screenshot, diagram, plot&#10;&#10;Description automatically generated">
+            <a:extLst>
+              <a:ext uri="{FF2B5EF4-FFF2-40B4-BE49-F238E27FC236}">
+                <a16:creationId xmlns:a16="http://schemas.microsoft.com/office/drawing/2014/main" id="{0669C18B-6161-FCAD-7B58-5D75331A6202}"/>
+              </a:ext>
+            </a:extLst>
+          </p:cNvPr>
+          <p:cNvPicPr>
+            <a:picLocks noChangeAspect="1"/>
+          </p:cNvPicPr>
+          <p:nvPr/>
+        </p:nvPicPr>
+        <p:blipFill>
+          <a:blip r:embed="rId3"/>
+          <a:stretch>
+            <a:fillRect/>
+          </a:stretch>
+        </p:blipFill>
+        <p:spPr>
+          <a:xfrm>
+            <a:off x="839788" y="1806038"/>
+            <a:ext cx="4741225" cy="4336486"/>
+          </a:xfrm>
+          <a:prstGeom prst="rect">
+            <a:avLst/>
+          </a:prstGeom>
+        </p:spPr>
+      </p:pic>
+    </p:spTree>
+    <p:extLst>
+      <p:ext uri="{BB962C8B-B14F-4D97-AF65-F5344CB8AC3E}">
+        <p14:creationId xmlns:p14="http://schemas.microsoft.com/office/powerpoint/2010/main" val="3243231870"/>
+      </p:ext>
+    </p:extLst>
+  </p:cSld>
+  <p:clrMapOvr>
+    <a:masterClrMapping/>
+  </p:clrMapOvr>
+</p:sld>
+</file>
+
+<file path=ppt/slides/slide12.xml><?xml version="1.0" encoding="utf-8"?>
 <p:sld xmlns:a="http://schemas.openxmlformats.org/drawingml/2006/main" xmlns:r="http://schemas.openxmlformats.org/officeDocument/2006/relationships" xmlns:p="http://schemas.openxmlformats.org/presentationml/2006/main">
   <p:cSld>
     <p:spTree>
@@ -34797,7 +35972,7 @@
             <a:fld id="{AE208ADF-3ADD-483D-A721-14E3EEE2C135}" type="slidenum">
               <a:rPr lang="en-US" smtClean="0"/>
               <a:pPr/>
-              <a:t>10</a:t>
+              <a:t>12</a:t>
             </a:fld>
             <a:endParaRPr lang="en-US" dirty="0"/>
           </a:p>
@@ -34816,7 +35991,7 @@
 </p:sld>
 </file>
 
-<file path=ppt/slides/slide11.xml><?xml version="1.0" encoding="utf-8"?>
+<file path=ppt/slides/slide13.xml><?xml version="1.0" encoding="utf-8"?>
 <p:sld xmlns:a="http://schemas.openxmlformats.org/drawingml/2006/main" xmlns:r="http://schemas.openxmlformats.org/officeDocument/2006/relationships" xmlns:p="http://schemas.openxmlformats.org/presentationml/2006/main">
   <p:cSld>
     <p:spTree>
@@ -34911,17 +36086,18 @@
           <a:p>
             <a:r>
               <a:rPr lang="en-US" dirty="0"/>
-              <a:t>Poonam ????</a:t>
+              <a:t>Poonam </a:t>
             </a:r>
+            <a:r>
+              <a:rPr lang="en-US" dirty="0" err="1"/>
+              <a:t>Fandan</a:t>
+            </a:r>
+            <a:endParaRPr lang="en-US" dirty="0"/>
           </a:p>
           <a:p>
             <a:r>
-              <a:rPr lang="en-US" dirty="0" err="1"/>
-              <a:t>Racee</a:t>
-            </a:r>
-            <a:r>
               <a:rPr lang="en-US" dirty="0"/>
-              <a:t> Lucas</a:t>
+              <a:t>Ra-cee Lucas</a:t>
             </a:r>
           </a:p>
           <a:p>
@@ -35061,7 +36237,7 @@
             <a:fld id="{AE208ADF-3ADD-483D-A721-14E3EEE2C135}" type="slidenum">
               <a:rPr lang="en-US" smtClean="0"/>
               <a:pPr/>
-              <a:t>11</a:t>
+              <a:t>13</a:t>
             </a:fld>
             <a:endParaRPr lang="en-US" dirty="0"/>
           </a:p>
@@ -35169,7 +36345,7 @@
           <a:p>
             <a:r>
               <a:rPr lang="en-US" dirty="0"/>
-              <a:t>EDA</a:t>
+              <a:t>Exploratory Data Analysis</a:t>
             </a:r>
           </a:p>
           <a:p>
@@ -35461,542 +36637,6 @@
       </p:grpSpPr>
       <p:sp>
         <p:nvSpPr>
-          <p:cNvPr id="2" name="Title 1">
-            <a:extLst>
-              <a:ext uri="{FF2B5EF4-FFF2-40B4-BE49-F238E27FC236}">
-                <a16:creationId xmlns:a16="http://schemas.microsoft.com/office/drawing/2014/main" id="{AF7283E3-686A-4399-B44D-71E2E0C5990C}"/>
-              </a:ext>
-            </a:extLst>
-          </p:cNvPr>
-          <p:cNvSpPr>
-            <a:spLocks noGrp="1"/>
-          </p:cNvSpPr>
-          <p:nvPr>
-            <p:ph type="ctrTitle"/>
-          </p:nvPr>
-        </p:nvSpPr>
-        <p:spPr>
-          <a:xfrm>
-            <a:off x="133350" y="3143251"/>
-            <a:ext cx="6874327" cy="1209275"/>
-          </a:xfrm>
-        </p:spPr>
-        <p:txBody>
-          <a:bodyPr>
-            <a:normAutofit/>
-          </a:bodyPr>
-          <a:lstStyle/>
-          <a:p>
-            <a:r>
-              <a:rPr lang="en-US" dirty="0"/>
-              <a:t>Data Set Overview </a:t>
-            </a:r>
-          </a:p>
-        </p:txBody>
-      </p:sp>
-      <p:pic>
-        <p:nvPicPr>
-          <p:cNvPr id="6" name="Picture Placeholder 5" descr="A picture containing trees, outdoor, forest, nature, mist">
-            <a:extLst>
-              <a:ext uri="{FF2B5EF4-FFF2-40B4-BE49-F238E27FC236}">
-                <a16:creationId xmlns:a16="http://schemas.microsoft.com/office/drawing/2014/main" id="{286EB37C-928B-4D9A-905B-8EA255EB144E}"/>
-              </a:ext>
-            </a:extLst>
-          </p:cNvPr>
-          <p:cNvPicPr>
-            <a:picLocks noGrp="1" noChangeAspect="1"/>
-          </p:cNvPicPr>
-          <p:nvPr>
-            <p:ph type="pic" sz="quarter" idx="13"/>
-          </p:nvPr>
-        </p:nvPicPr>
-        <p:blipFill rotWithShape="1">
-          <a:blip r:embed="rId3" cstate="screen">
-            <a:extLst>
-              <a:ext uri="{28A0092B-C50C-407E-A947-70E740481C1C}">
-                <a14:useLocalDpi xmlns:a14="http://schemas.microsoft.com/office/drawing/2010/main" val="0"/>
-              </a:ext>
-            </a:extLst>
-          </a:blip>
-          <a:srcRect/>
-          <a:stretch/>
-        </p:blipFill>
-        <p:spPr>
-          <a:xfrm>
-            <a:off x="1524" y="0"/>
-            <a:ext cx="12188952" cy="3295650"/>
-          </a:xfrm>
-        </p:spPr>
-      </p:pic>
-      <p:sp>
-        <p:nvSpPr>
-          <p:cNvPr id="5" name="Title 1">
-            <a:extLst>
-              <a:ext uri="{FF2B5EF4-FFF2-40B4-BE49-F238E27FC236}">
-                <a16:creationId xmlns:a16="http://schemas.microsoft.com/office/drawing/2014/main" id="{B646BE4E-F9CE-1FEC-FC5E-500D70D56BA0}"/>
-              </a:ext>
-            </a:extLst>
-          </p:cNvPr>
-          <p:cNvSpPr txBox="1">
-            <a:spLocks/>
-          </p:cNvSpPr>
-          <p:nvPr/>
-        </p:nvSpPr>
-        <p:spPr>
-          <a:xfrm>
-            <a:off x="265176" y="3747888"/>
-            <a:ext cx="6874327" cy="1209275"/>
-          </a:xfrm>
-          <a:prstGeom prst="rect">
-            <a:avLst/>
-          </a:prstGeom>
-        </p:spPr>
-        <p:txBody>
-          <a:bodyPr vert="horz" lIns="91440" tIns="45720" rIns="91440" bIns="45720" rtlCol="0" anchor="ctr">
-            <a:normAutofit/>
-          </a:bodyPr>
-          <a:lstStyle>
-            <a:lvl1pPr algn="l" defTabSz="914400" rtl="0" eaLnBrk="1" latinLnBrk="0" hangingPunct="1">
-              <a:lnSpc>
-                <a:spcPct val="100000"/>
-              </a:lnSpc>
-              <a:spcBef>
-                <a:spcPct val="0"/>
-              </a:spcBef>
-              <a:buNone/>
-              <a:defRPr sz="4000" kern="1200">
-                <a:solidFill>
-                  <a:schemeClr val="tx2">
-                    <a:alpha val="75000"/>
-                  </a:schemeClr>
-                </a:solidFill>
-                <a:latin typeface="+mj-lt"/>
-                <a:ea typeface="+mj-ea"/>
-                <a:cs typeface="+mj-cs"/>
-              </a:defRPr>
-            </a:lvl1pPr>
-          </a:lstStyle>
-          <a:p>
-            <a:r>
-              <a:rPr lang="en-US" sz="2800" dirty="0"/>
-              <a:t>Features</a:t>
-            </a:r>
-          </a:p>
-        </p:txBody>
-      </p:sp>
-      <p:sp>
-        <p:nvSpPr>
-          <p:cNvPr id="7" name="Title 1">
-            <a:extLst>
-              <a:ext uri="{FF2B5EF4-FFF2-40B4-BE49-F238E27FC236}">
-                <a16:creationId xmlns:a16="http://schemas.microsoft.com/office/drawing/2014/main" id="{04DD04CE-4527-2F5B-B000-A06546948C30}"/>
-              </a:ext>
-            </a:extLst>
-          </p:cNvPr>
-          <p:cNvSpPr txBox="1">
-            <a:spLocks/>
-          </p:cNvSpPr>
-          <p:nvPr/>
-        </p:nvSpPr>
-        <p:spPr>
-          <a:xfrm>
-            <a:off x="8054749" y="3747888"/>
-            <a:ext cx="6874327" cy="1209275"/>
-          </a:xfrm>
-          <a:prstGeom prst="rect">
-            <a:avLst/>
-          </a:prstGeom>
-        </p:spPr>
-        <p:txBody>
-          <a:bodyPr vert="horz" lIns="91440" tIns="45720" rIns="91440" bIns="45720" rtlCol="0" anchor="ctr">
-            <a:normAutofit/>
-          </a:bodyPr>
-          <a:lstStyle>
-            <a:lvl1pPr algn="l" defTabSz="914400" rtl="0" eaLnBrk="1" latinLnBrk="0" hangingPunct="1">
-              <a:lnSpc>
-                <a:spcPct val="100000"/>
-              </a:lnSpc>
-              <a:spcBef>
-                <a:spcPct val="0"/>
-              </a:spcBef>
-              <a:buNone/>
-              <a:defRPr sz="4000" kern="1200">
-                <a:solidFill>
-                  <a:schemeClr val="tx2">
-                    <a:alpha val="75000"/>
-                  </a:schemeClr>
-                </a:solidFill>
-                <a:latin typeface="+mj-lt"/>
-                <a:ea typeface="+mj-ea"/>
-                <a:cs typeface="+mj-cs"/>
-              </a:defRPr>
-            </a:lvl1pPr>
-          </a:lstStyle>
-          <a:p>
-            <a:r>
-              <a:rPr lang="en-US" sz="2800" dirty="0"/>
-              <a:t>Target</a:t>
-            </a:r>
-          </a:p>
-        </p:txBody>
-      </p:sp>
-      <p:sp>
-        <p:nvSpPr>
-          <p:cNvPr id="10" name="Title 1">
-            <a:extLst>
-              <a:ext uri="{FF2B5EF4-FFF2-40B4-BE49-F238E27FC236}">
-                <a16:creationId xmlns:a16="http://schemas.microsoft.com/office/drawing/2014/main" id="{82A5E1CE-78EE-CC05-A1EA-3D9E1E986DEA}"/>
-              </a:ext>
-            </a:extLst>
-          </p:cNvPr>
-          <p:cNvSpPr txBox="1">
-            <a:spLocks/>
-          </p:cNvSpPr>
-          <p:nvPr/>
-        </p:nvSpPr>
-        <p:spPr>
-          <a:xfrm>
-            <a:off x="8054749" y="4804763"/>
-            <a:ext cx="3772816" cy="1843687"/>
-          </a:xfrm>
-          <a:prstGeom prst="rect">
-            <a:avLst/>
-          </a:prstGeom>
-        </p:spPr>
-        <p:txBody>
-          <a:bodyPr vert="horz" lIns="91440" tIns="45720" rIns="91440" bIns="45720" numCol="2" rtlCol="0" anchor="t">
-            <a:normAutofit lnSpcReduction="10000"/>
-          </a:bodyPr>
-          <a:lstStyle>
-            <a:lvl1pPr algn="l" defTabSz="914400" rtl="0" eaLnBrk="1" latinLnBrk="0" hangingPunct="1">
-              <a:lnSpc>
-                <a:spcPct val="100000"/>
-              </a:lnSpc>
-              <a:spcBef>
-                <a:spcPct val="0"/>
-              </a:spcBef>
-              <a:buNone/>
-              <a:defRPr sz="4000" kern="1200">
-                <a:solidFill>
-                  <a:schemeClr val="tx2">
-                    <a:alpha val="75000"/>
-                  </a:schemeClr>
-                </a:solidFill>
-                <a:latin typeface="+mj-lt"/>
-                <a:ea typeface="+mj-ea"/>
-                <a:cs typeface="+mj-cs"/>
-              </a:defRPr>
-            </a:lvl1pPr>
-          </a:lstStyle>
-          <a:p>
-            <a:r>
-              <a:rPr lang="en-US" sz="1800" dirty="0"/>
-              <a:t>Cover Type:</a:t>
-            </a:r>
-          </a:p>
-          <a:p>
-            <a:endParaRPr lang="en-US" sz="1800" dirty="0"/>
-          </a:p>
-          <a:p>
-            <a:pPr marL="285750" indent="-285750">
-              <a:buFont typeface="Arial" panose="020B0604020202020204" pitchFamily="34" charset="0"/>
-              <a:buChar char="•"/>
-            </a:pPr>
-            <a:r>
-              <a:rPr lang="en-US" sz="1800" dirty="0"/>
-              <a:t>1 – Spruce/Fir</a:t>
-            </a:r>
-          </a:p>
-          <a:p>
-            <a:pPr marL="285750" indent="-285750">
-              <a:buFont typeface="Arial" panose="020B0604020202020204" pitchFamily="34" charset="0"/>
-              <a:buChar char="•"/>
-            </a:pPr>
-            <a:r>
-              <a:rPr lang="en-US" sz="1800" dirty="0"/>
-              <a:t>2 – Lodgepole Pine</a:t>
-            </a:r>
-          </a:p>
-          <a:p>
-            <a:pPr marL="285750" indent="-285750">
-              <a:buFont typeface="Arial" panose="020B0604020202020204" pitchFamily="34" charset="0"/>
-              <a:buChar char="•"/>
-            </a:pPr>
-            <a:r>
-              <a:rPr lang="en-US" sz="1800" dirty="0"/>
-              <a:t>3 – Ponderosa Pine</a:t>
-            </a:r>
-          </a:p>
-          <a:p>
-            <a:pPr marL="285750" indent="-285750">
-              <a:buFont typeface="Arial" panose="020B0604020202020204" pitchFamily="34" charset="0"/>
-              <a:buChar char="•"/>
-            </a:pPr>
-            <a:endParaRPr lang="en-US" sz="1800" dirty="0"/>
-          </a:p>
-          <a:p>
-            <a:pPr marL="285750" indent="-285750">
-              <a:buFont typeface="Arial" panose="020B0604020202020204" pitchFamily="34" charset="0"/>
-              <a:buChar char="•"/>
-            </a:pPr>
-            <a:endParaRPr lang="en-US" sz="1800" dirty="0"/>
-          </a:p>
-          <a:p>
-            <a:pPr marL="285750" indent="-285750">
-              <a:buFont typeface="Arial" panose="020B0604020202020204" pitchFamily="34" charset="0"/>
-              <a:buChar char="•"/>
-            </a:pPr>
-            <a:r>
-              <a:rPr lang="en-US" sz="1800" dirty="0"/>
-              <a:t>4 – Cottonwood / Willow</a:t>
-            </a:r>
-          </a:p>
-          <a:p>
-            <a:pPr marL="285750" indent="-285750">
-              <a:buFont typeface="Arial" panose="020B0604020202020204" pitchFamily="34" charset="0"/>
-              <a:buChar char="•"/>
-            </a:pPr>
-            <a:r>
-              <a:rPr lang="en-US" sz="1800" dirty="0"/>
-              <a:t>5 – Aspen</a:t>
-            </a:r>
-          </a:p>
-          <a:p>
-            <a:pPr marL="285750" indent="-285750">
-              <a:buFont typeface="Arial" panose="020B0604020202020204" pitchFamily="34" charset="0"/>
-              <a:buChar char="•"/>
-            </a:pPr>
-            <a:r>
-              <a:rPr lang="en-US" sz="1800" dirty="0"/>
-              <a:t>6 – Douglas-Fir</a:t>
-            </a:r>
-          </a:p>
-          <a:p>
-            <a:pPr marL="285750" indent="-285750">
-              <a:buFont typeface="Arial" panose="020B0604020202020204" pitchFamily="34" charset="0"/>
-              <a:buChar char="•"/>
-            </a:pPr>
-            <a:r>
-              <a:rPr lang="en-US" sz="1800" dirty="0"/>
-              <a:t>7 – Krummholz</a:t>
-            </a:r>
-          </a:p>
-        </p:txBody>
-      </p:sp>
-      <p:sp>
-        <p:nvSpPr>
-          <p:cNvPr id="11" name="Title 1">
-            <a:extLst>
-              <a:ext uri="{FF2B5EF4-FFF2-40B4-BE49-F238E27FC236}">
-                <a16:creationId xmlns:a16="http://schemas.microsoft.com/office/drawing/2014/main" id="{CC7A9BAC-C639-0A50-EEB2-AC0AD4BFF434}"/>
-              </a:ext>
-            </a:extLst>
-          </p:cNvPr>
-          <p:cNvSpPr txBox="1">
-            <a:spLocks/>
-          </p:cNvSpPr>
-          <p:nvPr/>
-        </p:nvSpPr>
-        <p:spPr>
-          <a:xfrm>
-            <a:off x="265176" y="4619211"/>
-            <a:ext cx="7505700" cy="2038350"/>
-          </a:xfrm>
-          <a:prstGeom prst="rect">
-            <a:avLst/>
-          </a:prstGeom>
-        </p:spPr>
-        <p:txBody>
-          <a:bodyPr vert="horz" lIns="91440" tIns="45720" rIns="91440" bIns="45720" numCol="2" rtlCol="0" anchor="t">
-            <a:normAutofit fontScale="85000" lnSpcReduction="10000"/>
-          </a:bodyPr>
-          <a:lstStyle>
-            <a:lvl1pPr algn="l" defTabSz="914400" rtl="0" eaLnBrk="1" latinLnBrk="0" hangingPunct="1">
-              <a:lnSpc>
-                <a:spcPct val="100000"/>
-              </a:lnSpc>
-              <a:spcBef>
-                <a:spcPct val="0"/>
-              </a:spcBef>
-              <a:buNone/>
-              <a:defRPr sz="4000" kern="1200">
-                <a:solidFill>
-                  <a:schemeClr val="tx2">
-                    <a:alpha val="75000"/>
-                  </a:schemeClr>
-                </a:solidFill>
-                <a:latin typeface="+mj-lt"/>
-                <a:ea typeface="+mj-ea"/>
-                <a:cs typeface="+mj-cs"/>
-              </a:defRPr>
-            </a:lvl1pPr>
-          </a:lstStyle>
-          <a:p>
-            <a:pPr marL="285750" indent="-285750">
-              <a:buFont typeface="Arial" panose="020B0604020202020204" pitchFamily="34" charset="0"/>
-              <a:buChar char="•"/>
-            </a:pPr>
-            <a:r>
-              <a:rPr lang="en-US" sz="2400" dirty="0"/>
-              <a:t>Elevation (m)</a:t>
-            </a:r>
-          </a:p>
-          <a:p>
-            <a:pPr marL="285750" indent="-285750">
-              <a:buFont typeface="Arial" panose="020B0604020202020204" pitchFamily="34" charset="0"/>
-              <a:buChar char="•"/>
-            </a:pPr>
-            <a:r>
-              <a:rPr lang="en-US" sz="2400" dirty="0"/>
-              <a:t>Aspect (º azimuth)</a:t>
-            </a:r>
-          </a:p>
-          <a:p>
-            <a:pPr marL="285750" indent="-285750">
-              <a:buFont typeface="Arial" panose="020B0604020202020204" pitchFamily="34" charset="0"/>
-              <a:buChar char="•"/>
-            </a:pPr>
-            <a:r>
-              <a:rPr lang="en-US" sz="2400" dirty="0"/>
-              <a:t>Slope (º)</a:t>
-            </a:r>
-          </a:p>
-          <a:p>
-            <a:pPr marL="285750" indent="-285750">
-              <a:buFont typeface="Arial" panose="020B0604020202020204" pitchFamily="34" charset="0"/>
-              <a:buChar char="•"/>
-            </a:pPr>
-            <a:r>
-              <a:rPr lang="en-US" sz="2400" dirty="0"/>
-              <a:t>Horizontal Distance to Hydrology</a:t>
-            </a:r>
-          </a:p>
-          <a:p>
-            <a:pPr marL="285750" indent="-285750">
-              <a:buFont typeface="Arial" panose="020B0604020202020204" pitchFamily="34" charset="0"/>
-              <a:buChar char="•"/>
-            </a:pPr>
-            <a:r>
-              <a:rPr lang="en-US" sz="2400" dirty="0"/>
-              <a:t>Vertical Distance to Hydrology</a:t>
-            </a:r>
-          </a:p>
-          <a:p>
-            <a:pPr marL="285750" indent="-285750">
-              <a:buFont typeface="Arial" panose="020B0604020202020204" pitchFamily="34" charset="0"/>
-              <a:buChar char="•"/>
-            </a:pPr>
-            <a:r>
-              <a:rPr lang="en-US" sz="2400" dirty="0"/>
-              <a:t>Horizontal Distance to Roadways</a:t>
-            </a:r>
-          </a:p>
-          <a:p>
-            <a:pPr marL="285750" indent="-285750">
-              <a:buFont typeface="Arial" panose="020B0604020202020204" pitchFamily="34" charset="0"/>
-              <a:buChar char="•"/>
-            </a:pPr>
-            <a:r>
-              <a:rPr lang="en-US" sz="2400" dirty="0" err="1"/>
-              <a:t>Hillshade</a:t>
-            </a:r>
-            <a:r>
-              <a:rPr lang="en-US" sz="2400" dirty="0"/>
-              <a:t> 9am</a:t>
-            </a:r>
-          </a:p>
-          <a:p>
-            <a:pPr marL="285750" indent="-285750">
-              <a:buFont typeface="Arial" panose="020B0604020202020204" pitchFamily="34" charset="0"/>
-              <a:buChar char="•"/>
-            </a:pPr>
-            <a:r>
-              <a:rPr lang="en-US" sz="2400" dirty="0" err="1"/>
-              <a:t>Hillshade</a:t>
-            </a:r>
-            <a:r>
-              <a:rPr lang="en-US" sz="2400" dirty="0"/>
-              <a:t> 12pm</a:t>
-            </a:r>
-          </a:p>
-          <a:p>
-            <a:pPr marL="285750" indent="-285750">
-              <a:buFont typeface="Arial" panose="020B0604020202020204" pitchFamily="34" charset="0"/>
-              <a:buChar char="•"/>
-            </a:pPr>
-            <a:r>
-              <a:rPr lang="en-US" sz="2400" dirty="0" err="1"/>
-              <a:t>Hillshade</a:t>
-            </a:r>
-            <a:r>
-              <a:rPr lang="en-US" sz="2400" dirty="0"/>
-              <a:t> 3pm</a:t>
-            </a:r>
-          </a:p>
-          <a:p>
-            <a:pPr marL="285750" indent="-285750">
-              <a:buFont typeface="Arial" panose="020B0604020202020204" pitchFamily="34" charset="0"/>
-              <a:buChar char="•"/>
-            </a:pPr>
-            <a:r>
-              <a:rPr lang="en-US" sz="2400" dirty="0"/>
-              <a:t>Horizontal Distance to Fire Point</a:t>
-            </a:r>
-          </a:p>
-          <a:p>
-            <a:pPr marL="285750" indent="-285750">
-              <a:buFont typeface="Arial" panose="020B0604020202020204" pitchFamily="34" charset="0"/>
-              <a:buChar char="•"/>
-            </a:pPr>
-            <a:r>
-              <a:rPr lang="en-US" sz="2400" dirty="0"/>
-              <a:t>Wilderness Area</a:t>
-            </a:r>
-          </a:p>
-          <a:p>
-            <a:pPr marL="285750" indent="-285750">
-              <a:buFont typeface="Arial" panose="020B0604020202020204" pitchFamily="34" charset="0"/>
-              <a:buChar char="•"/>
-            </a:pPr>
-            <a:r>
-              <a:rPr lang="en-US" sz="2400" dirty="0"/>
-              <a:t>Soil Type</a:t>
-            </a:r>
-          </a:p>
-        </p:txBody>
-      </p:sp>
-    </p:spTree>
-    <p:extLst>
-      <p:ext uri="{BB962C8B-B14F-4D97-AF65-F5344CB8AC3E}">
-        <p14:creationId xmlns:p14="http://schemas.microsoft.com/office/powerpoint/2010/main" val="477183642"/>
-      </p:ext>
-    </p:extLst>
-  </p:cSld>
-  <p:clrMapOvr>
-    <a:masterClrMapping/>
-  </p:clrMapOvr>
-</p:sld>
-</file>
-
-<file path=ppt/slides/slide4.xml><?xml version="1.0" encoding="utf-8"?>
-<p:sld xmlns:a="http://schemas.openxmlformats.org/drawingml/2006/main" xmlns:r="http://schemas.openxmlformats.org/officeDocument/2006/relationships" xmlns:p="http://schemas.openxmlformats.org/presentationml/2006/main">
-  <p:cSld>
-    <p:spTree>
-      <p:nvGrpSpPr>
-        <p:cNvPr id="1" name=""/>
-        <p:cNvGrpSpPr/>
-        <p:nvPr/>
-      </p:nvGrpSpPr>
-      <p:grpSpPr>
-        <a:xfrm>
-          <a:off x="0" y="0"/>
-          <a:ext cx="0" cy="0"/>
-          <a:chOff x="0" y="0"/>
-          <a:chExt cx="0" cy="0"/>
-        </a:xfrm>
-      </p:grpSpPr>
-      <p:sp>
-        <p:nvSpPr>
           <p:cNvPr id="7" name="Title 6">
             <a:extLst>
               <a:ext uri="{FF2B5EF4-FFF2-40B4-BE49-F238E27FC236}">
@@ -36202,7 +36842,7 @@
             <a:fld id="{AE208ADF-3ADD-483D-A721-14E3EEE2C135}" type="slidenum">
               <a:rPr lang="en-US" smtClean="0"/>
               <a:pPr/>
-              <a:t>4</a:t>
+              <a:t>3</a:t>
             </a:fld>
             <a:endParaRPr lang="en-US" dirty="0"/>
           </a:p>
@@ -36753,7 +37393,1008 @@
 </p:sld>
 </file>
 
+<file path=ppt/slides/slide4.xml><?xml version="1.0" encoding="utf-8"?>
+<p:sld xmlns:a="http://schemas.openxmlformats.org/drawingml/2006/main" xmlns:r="http://schemas.openxmlformats.org/officeDocument/2006/relationships" xmlns:p="http://schemas.openxmlformats.org/presentationml/2006/main">
+  <p:cSld>
+    <p:spTree>
+      <p:nvGrpSpPr>
+        <p:cNvPr id="1" name=""/>
+        <p:cNvGrpSpPr/>
+        <p:nvPr/>
+      </p:nvGrpSpPr>
+      <p:grpSpPr>
+        <a:xfrm>
+          <a:off x="0" y="0"/>
+          <a:ext cx="0" cy="0"/>
+          <a:chOff x="0" y="0"/>
+          <a:chExt cx="0" cy="0"/>
+        </a:xfrm>
+      </p:grpSpPr>
+      <p:sp>
+        <p:nvSpPr>
+          <p:cNvPr id="2" name="Title 1">
+            <a:extLst>
+              <a:ext uri="{FF2B5EF4-FFF2-40B4-BE49-F238E27FC236}">
+                <a16:creationId xmlns:a16="http://schemas.microsoft.com/office/drawing/2014/main" id="{AF7283E3-686A-4399-B44D-71E2E0C5990C}"/>
+              </a:ext>
+            </a:extLst>
+          </p:cNvPr>
+          <p:cNvSpPr>
+            <a:spLocks noGrp="1"/>
+          </p:cNvSpPr>
+          <p:nvPr>
+            <p:ph type="ctrTitle"/>
+          </p:nvPr>
+        </p:nvSpPr>
+        <p:spPr>
+          <a:xfrm>
+            <a:off x="133350" y="3143251"/>
+            <a:ext cx="6874327" cy="1209275"/>
+          </a:xfrm>
+        </p:spPr>
+        <p:txBody>
+          <a:bodyPr>
+            <a:normAutofit/>
+          </a:bodyPr>
+          <a:lstStyle/>
+          <a:p>
+            <a:r>
+              <a:rPr lang="en-US" dirty="0"/>
+              <a:t>Data Set Overview </a:t>
+            </a:r>
+          </a:p>
+        </p:txBody>
+      </p:sp>
+      <p:pic>
+        <p:nvPicPr>
+          <p:cNvPr id="6" name="Picture Placeholder 5" descr="A picture containing trees, outdoor, forest, nature, mist">
+            <a:extLst>
+              <a:ext uri="{FF2B5EF4-FFF2-40B4-BE49-F238E27FC236}">
+                <a16:creationId xmlns:a16="http://schemas.microsoft.com/office/drawing/2014/main" id="{286EB37C-928B-4D9A-905B-8EA255EB144E}"/>
+              </a:ext>
+            </a:extLst>
+          </p:cNvPr>
+          <p:cNvPicPr>
+            <a:picLocks noGrp="1" noChangeAspect="1"/>
+          </p:cNvPicPr>
+          <p:nvPr>
+            <p:ph type="pic" sz="quarter" idx="13"/>
+          </p:nvPr>
+        </p:nvPicPr>
+        <p:blipFill rotWithShape="1">
+          <a:blip r:embed="rId3" cstate="screen">
+            <a:extLst>
+              <a:ext uri="{28A0092B-C50C-407E-A947-70E740481C1C}">
+                <a14:useLocalDpi xmlns:a14="http://schemas.microsoft.com/office/drawing/2010/main" val="0"/>
+              </a:ext>
+            </a:extLst>
+          </a:blip>
+          <a:srcRect/>
+          <a:stretch/>
+        </p:blipFill>
+        <p:spPr>
+          <a:xfrm>
+            <a:off x="1524" y="0"/>
+            <a:ext cx="12188952" cy="3295650"/>
+          </a:xfrm>
+        </p:spPr>
+      </p:pic>
+      <p:sp>
+        <p:nvSpPr>
+          <p:cNvPr id="5" name="Title 1">
+            <a:extLst>
+              <a:ext uri="{FF2B5EF4-FFF2-40B4-BE49-F238E27FC236}">
+                <a16:creationId xmlns:a16="http://schemas.microsoft.com/office/drawing/2014/main" id="{B646BE4E-F9CE-1FEC-FC5E-500D70D56BA0}"/>
+              </a:ext>
+            </a:extLst>
+          </p:cNvPr>
+          <p:cNvSpPr txBox="1">
+            <a:spLocks/>
+          </p:cNvSpPr>
+          <p:nvPr/>
+        </p:nvSpPr>
+        <p:spPr>
+          <a:xfrm>
+            <a:off x="265176" y="3747888"/>
+            <a:ext cx="6874327" cy="1209275"/>
+          </a:xfrm>
+          <a:prstGeom prst="rect">
+            <a:avLst/>
+          </a:prstGeom>
+        </p:spPr>
+        <p:txBody>
+          <a:bodyPr vert="horz" lIns="91440" tIns="45720" rIns="91440" bIns="45720" rtlCol="0" anchor="ctr">
+            <a:normAutofit/>
+          </a:bodyPr>
+          <a:lstStyle>
+            <a:lvl1pPr algn="l" defTabSz="914400" rtl="0" eaLnBrk="1" latinLnBrk="0" hangingPunct="1">
+              <a:lnSpc>
+                <a:spcPct val="100000"/>
+              </a:lnSpc>
+              <a:spcBef>
+                <a:spcPct val="0"/>
+              </a:spcBef>
+              <a:buNone/>
+              <a:defRPr sz="4000" kern="1200">
+                <a:solidFill>
+                  <a:schemeClr val="tx2">
+                    <a:alpha val="75000"/>
+                  </a:schemeClr>
+                </a:solidFill>
+                <a:latin typeface="+mj-lt"/>
+                <a:ea typeface="+mj-ea"/>
+                <a:cs typeface="+mj-cs"/>
+              </a:defRPr>
+            </a:lvl1pPr>
+          </a:lstStyle>
+          <a:p>
+            <a:r>
+              <a:rPr lang="en-US" sz="2800" dirty="0"/>
+              <a:t>Features</a:t>
+            </a:r>
+          </a:p>
+        </p:txBody>
+      </p:sp>
+      <p:sp>
+        <p:nvSpPr>
+          <p:cNvPr id="7" name="Title 1">
+            <a:extLst>
+              <a:ext uri="{FF2B5EF4-FFF2-40B4-BE49-F238E27FC236}">
+                <a16:creationId xmlns:a16="http://schemas.microsoft.com/office/drawing/2014/main" id="{04DD04CE-4527-2F5B-B000-A06546948C30}"/>
+              </a:ext>
+            </a:extLst>
+          </p:cNvPr>
+          <p:cNvSpPr txBox="1">
+            <a:spLocks/>
+          </p:cNvSpPr>
+          <p:nvPr/>
+        </p:nvSpPr>
+        <p:spPr>
+          <a:xfrm>
+            <a:off x="8054749" y="3747888"/>
+            <a:ext cx="6874327" cy="1209275"/>
+          </a:xfrm>
+          <a:prstGeom prst="rect">
+            <a:avLst/>
+          </a:prstGeom>
+        </p:spPr>
+        <p:txBody>
+          <a:bodyPr vert="horz" lIns="91440" tIns="45720" rIns="91440" bIns="45720" rtlCol="0" anchor="ctr">
+            <a:normAutofit/>
+          </a:bodyPr>
+          <a:lstStyle>
+            <a:lvl1pPr algn="l" defTabSz="914400" rtl="0" eaLnBrk="1" latinLnBrk="0" hangingPunct="1">
+              <a:lnSpc>
+                <a:spcPct val="100000"/>
+              </a:lnSpc>
+              <a:spcBef>
+                <a:spcPct val="0"/>
+              </a:spcBef>
+              <a:buNone/>
+              <a:defRPr sz="4000" kern="1200">
+                <a:solidFill>
+                  <a:schemeClr val="tx2">
+                    <a:alpha val="75000"/>
+                  </a:schemeClr>
+                </a:solidFill>
+                <a:latin typeface="+mj-lt"/>
+                <a:ea typeface="+mj-ea"/>
+                <a:cs typeface="+mj-cs"/>
+              </a:defRPr>
+            </a:lvl1pPr>
+          </a:lstStyle>
+          <a:p>
+            <a:r>
+              <a:rPr lang="en-US" sz="2800" dirty="0"/>
+              <a:t>Target</a:t>
+            </a:r>
+          </a:p>
+        </p:txBody>
+      </p:sp>
+      <p:sp>
+        <p:nvSpPr>
+          <p:cNvPr id="10" name="Title 1">
+            <a:extLst>
+              <a:ext uri="{FF2B5EF4-FFF2-40B4-BE49-F238E27FC236}">
+                <a16:creationId xmlns:a16="http://schemas.microsoft.com/office/drawing/2014/main" id="{82A5E1CE-78EE-CC05-A1EA-3D9E1E986DEA}"/>
+              </a:ext>
+            </a:extLst>
+          </p:cNvPr>
+          <p:cNvSpPr txBox="1">
+            <a:spLocks/>
+          </p:cNvSpPr>
+          <p:nvPr/>
+        </p:nvSpPr>
+        <p:spPr>
+          <a:xfrm>
+            <a:off x="8054749" y="4804763"/>
+            <a:ext cx="3772816" cy="1843687"/>
+          </a:xfrm>
+          <a:prstGeom prst="rect">
+            <a:avLst/>
+          </a:prstGeom>
+        </p:spPr>
+        <p:txBody>
+          <a:bodyPr vert="horz" lIns="91440" tIns="45720" rIns="91440" bIns="45720" numCol="2" rtlCol="0" anchor="t">
+            <a:normAutofit lnSpcReduction="10000"/>
+          </a:bodyPr>
+          <a:lstStyle>
+            <a:lvl1pPr algn="l" defTabSz="914400" rtl="0" eaLnBrk="1" latinLnBrk="0" hangingPunct="1">
+              <a:lnSpc>
+                <a:spcPct val="100000"/>
+              </a:lnSpc>
+              <a:spcBef>
+                <a:spcPct val="0"/>
+              </a:spcBef>
+              <a:buNone/>
+              <a:defRPr sz="4000" kern="1200">
+                <a:solidFill>
+                  <a:schemeClr val="tx2">
+                    <a:alpha val="75000"/>
+                  </a:schemeClr>
+                </a:solidFill>
+                <a:latin typeface="+mj-lt"/>
+                <a:ea typeface="+mj-ea"/>
+                <a:cs typeface="+mj-cs"/>
+              </a:defRPr>
+            </a:lvl1pPr>
+          </a:lstStyle>
+          <a:p>
+            <a:r>
+              <a:rPr lang="en-US" sz="1800" dirty="0"/>
+              <a:t>Cover Type:</a:t>
+            </a:r>
+          </a:p>
+          <a:p>
+            <a:endParaRPr lang="en-US" sz="1800" dirty="0"/>
+          </a:p>
+          <a:p>
+            <a:pPr marL="285750" indent="-285750">
+              <a:buFont typeface="Arial" panose="020B0604020202020204" pitchFamily="34" charset="0"/>
+              <a:buChar char="•"/>
+            </a:pPr>
+            <a:r>
+              <a:rPr lang="en-US" sz="1800" dirty="0"/>
+              <a:t>1 – Spruce/Fir</a:t>
+            </a:r>
+          </a:p>
+          <a:p>
+            <a:pPr marL="285750" indent="-285750">
+              <a:buFont typeface="Arial" panose="020B0604020202020204" pitchFamily="34" charset="0"/>
+              <a:buChar char="•"/>
+            </a:pPr>
+            <a:r>
+              <a:rPr lang="en-US" sz="1800" dirty="0"/>
+              <a:t>2 – Lodgepole Pine</a:t>
+            </a:r>
+          </a:p>
+          <a:p>
+            <a:pPr marL="285750" indent="-285750">
+              <a:buFont typeface="Arial" panose="020B0604020202020204" pitchFamily="34" charset="0"/>
+              <a:buChar char="•"/>
+            </a:pPr>
+            <a:r>
+              <a:rPr lang="en-US" sz="1800" dirty="0"/>
+              <a:t>3 – Ponderosa Pine</a:t>
+            </a:r>
+          </a:p>
+          <a:p>
+            <a:pPr marL="285750" indent="-285750">
+              <a:buFont typeface="Arial" panose="020B0604020202020204" pitchFamily="34" charset="0"/>
+              <a:buChar char="•"/>
+            </a:pPr>
+            <a:endParaRPr lang="en-US" sz="1800" dirty="0"/>
+          </a:p>
+          <a:p>
+            <a:pPr marL="285750" indent="-285750">
+              <a:buFont typeface="Arial" panose="020B0604020202020204" pitchFamily="34" charset="0"/>
+              <a:buChar char="•"/>
+            </a:pPr>
+            <a:endParaRPr lang="en-US" sz="1800" dirty="0"/>
+          </a:p>
+          <a:p>
+            <a:pPr marL="285750" indent="-285750">
+              <a:buFont typeface="Arial" panose="020B0604020202020204" pitchFamily="34" charset="0"/>
+              <a:buChar char="•"/>
+            </a:pPr>
+            <a:r>
+              <a:rPr lang="en-US" sz="1800" dirty="0"/>
+              <a:t>4 – Cottonwood / Willow</a:t>
+            </a:r>
+          </a:p>
+          <a:p>
+            <a:pPr marL="285750" indent="-285750">
+              <a:buFont typeface="Arial" panose="020B0604020202020204" pitchFamily="34" charset="0"/>
+              <a:buChar char="•"/>
+            </a:pPr>
+            <a:r>
+              <a:rPr lang="en-US" sz="1800" dirty="0"/>
+              <a:t>5 – Aspen</a:t>
+            </a:r>
+          </a:p>
+          <a:p>
+            <a:pPr marL="285750" indent="-285750">
+              <a:buFont typeface="Arial" panose="020B0604020202020204" pitchFamily="34" charset="0"/>
+              <a:buChar char="•"/>
+            </a:pPr>
+            <a:r>
+              <a:rPr lang="en-US" sz="1800" dirty="0"/>
+              <a:t>6 – Douglas-Fir</a:t>
+            </a:r>
+          </a:p>
+          <a:p>
+            <a:pPr marL="285750" indent="-285750">
+              <a:buFont typeface="Arial" panose="020B0604020202020204" pitchFamily="34" charset="0"/>
+              <a:buChar char="•"/>
+            </a:pPr>
+            <a:r>
+              <a:rPr lang="en-US" sz="1800" dirty="0"/>
+              <a:t>7 – Krummholz</a:t>
+            </a:r>
+          </a:p>
+        </p:txBody>
+      </p:sp>
+      <p:sp>
+        <p:nvSpPr>
+          <p:cNvPr id="11" name="Title 1">
+            <a:extLst>
+              <a:ext uri="{FF2B5EF4-FFF2-40B4-BE49-F238E27FC236}">
+                <a16:creationId xmlns:a16="http://schemas.microsoft.com/office/drawing/2014/main" id="{CC7A9BAC-C639-0A50-EEB2-AC0AD4BFF434}"/>
+              </a:ext>
+            </a:extLst>
+          </p:cNvPr>
+          <p:cNvSpPr txBox="1">
+            <a:spLocks/>
+          </p:cNvSpPr>
+          <p:nvPr/>
+        </p:nvSpPr>
+        <p:spPr>
+          <a:xfrm>
+            <a:off x="265176" y="4619211"/>
+            <a:ext cx="7505700" cy="2038350"/>
+          </a:xfrm>
+          <a:prstGeom prst="rect">
+            <a:avLst/>
+          </a:prstGeom>
+        </p:spPr>
+        <p:txBody>
+          <a:bodyPr vert="horz" lIns="91440" tIns="45720" rIns="91440" bIns="45720" numCol="2" rtlCol="0" anchor="t">
+            <a:normAutofit fontScale="85000" lnSpcReduction="10000"/>
+          </a:bodyPr>
+          <a:lstStyle>
+            <a:lvl1pPr algn="l" defTabSz="914400" rtl="0" eaLnBrk="1" latinLnBrk="0" hangingPunct="1">
+              <a:lnSpc>
+                <a:spcPct val="100000"/>
+              </a:lnSpc>
+              <a:spcBef>
+                <a:spcPct val="0"/>
+              </a:spcBef>
+              <a:buNone/>
+              <a:defRPr sz="4000" kern="1200">
+                <a:solidFill>
+                  <a:schemeClr val="tx2">
+                    <a:alpha val="75000"/>
+                  </a:schemeClr>
+                </a:solidFill>
+                <a:latin typeface="+mj-lt"/>
+                <a:ea typeface="+mj-ea"/>
+                <a:cs typeface="+mj-cs"/>
+              </a:defRPr>
+            </a:lvl1pPr>
+          </a:lstStyle>
+          <a:p>
+            <a:pPr marL="285750" indent="-285750">
+              <a:buFont typeface="Arial" panose="020B0604020202020204" pitchFamily="34" charset="0"/>
+              <a:buChar char="•"/>
+            </a:pPr>
+            <a:r>
+              <a:rPr lang="en-US" sz="2400" dirty="0"/>
+              <a:t>Elevation (m)</a:t>
+            </a:r>
+          </a:p>
+          <a:p>
+            <a:pPr marL="285750" indent="-285750">
+              <a:buFont typeface="Arial" panose="020B0604020202020204" pitchFamily="34" charset="0"/>
+              <a:buChar char="•"/>
+            </a:pPr>
+            <a:r>
+              <a:rPr lang="en-US" sz="2400" dirty="0"/>
+              <a:t>Aspect (º azimuth)</a:t>
+            </a:r>
+          </a:p>
+          <a:p>
+            <a:pPr marL="285750" indent="-285750">
+              <a:buFont typeface="Arial" panose="020B0604020202020204" pitchFamily="34" charset="0"/>
+              <a:buChar char="•"/>
+            </a:pPr>
+            <a:r>
+              <a:rPr lang="en-US" sz="2400" dirty="0"/>
+              <a:t>Slope (º)</a:t>
+            </a:r>
+          </a:p>
+          <a:p>
+            <a:pPr marL="285750" indent="-285750">
+              <a:buFont typeface="Arial" panose="020B0604020202020204" pitchFamily="34" charset="0"/>
+              <a:buChar char="•"/>
+            </a:pPr>
+            <a:r>
+              <a:rPr lang="en-US" sz="2400" dirty="0"/>
+              <a:t>Horizontal Distance to Hydrology</a:t>
+            </a:r>
+          </a:p>
+          <a:p>
+            <a:pPr marL="285750" indent="-285750">
+              <a:buFont typeface="Arial" panose="020B0604020202020204" pitchFamily="34" charset="0"/>
+              <a:buChar char="•"/>
+            </a:pPr>
+            <a:r>
+              <a:rPr lang="en-US" sz="2400" dirty="0"/>
+              <a:t>Vertical Distance to Hydrology</a:t>
+            </a:r>
+          </a:p>
+          <a:p>
+            <a:pPr marL="285750" indent="-285750">
+              <a:buFont typeface="Arial" panose="020B0604020202020204" pitchFamily="34" charset="0"/>
+              <a:buChar char="•"/>
+            </a:pPr>
+            <a:r>
+              <a:rPr lang="en-US" sz="2400" dirty="0"/>
+              <a:t>Horizontal Distance to Roadways</a:t>
+            </a:r>
+          </a:p>
+          <a:p>
+            <a:pPr marL="285750" indent="-285750">
+              <a:buFont typeface="Arial" panose="020B0604020202020204" pitchFamily="34" charset="0"/>
+              <a:buChar char="•"/>
+            </a:pPr>
+            <a:r>
+              <a:rPr lang="en-US" sz="2400" dirty="0" err="1"/>
+              <a:t>Hillshade</a:t>
+            </a:r>
+            <a:r>
+              <a:rPr lang="en-US" sz="2400" dirty="0"/>
+              <a:t> 9am</a:t>
+            </a:r>
+          </a:p>
+          <a:p>
+            <a:pPr marL="285750" indent="-285750">
+              <a:buFont typeface="Arial" panose="020B0604020202020204" pitchFamily="34" charset="0"/>
+              <a:buChar char="•"/>
+            </a:pPr>
+            <a:r>
+              <a:rPr lang="en-US" sz="2400" dirty="0" err="1"/>
+              <a:t>Hillshade</a:t>
+            </a:r>
+            <a:r>
+              <a:rPr lang="en-US" sz="2400" dirty="0"/>
+              <a:t> 12pm</a:t>
+            </a:r>
+          </a:p>
+          <a:p>
+            <a:pPr marL="285750" indent="-285750">
+              <a:buFont typeface="Arial" panose="020B0604020202020204" pitchFamily="34" charset="0"/>
+              <a:buChar char="•"/>
+            </a:pPr>
+            <a:r>
+              <a:rPr lang="en-US" sz="2400" dirty="0" err="1"/>
+              <a:t>Hillshade</a:t>
+            </a:r>
+            <a:r>
+              <a:rPr lang="en-US" sz="2400" dirty="0"/>
+              <a:t> 3pm</a:t>
+            </a:r>
+          </a:p>
+          <a:p>
+            <a:pPr marL="285750" indent="-285750">
+              <a:buFont typeface="Arial" panose="020B0604020202020204" pitchFamily="34" charset="0"/>
+              <a:buChar char="•"/>
+            </a:pPr>
+            <a:r>
+              <a:rPr lang="en-US" sz="2400" dirty="0"/>
+              <a:t>Horizontal Distance to Fire Point</a:t>
+            </a:r>
+          </a:p>
+          <a:p>
+            <a:pPr marL="285750" indent="-285750">
+              <a:buFont typeface="Arial" panose="020B0604020202020204" pitchFamily="34" charset="0"/>
+              <a:buChar char="•"/>
+            </a:pPr>
+            <a:r>
+              <a:rPr lang="en-US" sz="2400" dirty="0"/>
+              <a:t>Wilderness Area</a:t>
+            </a:r>
+          </a:p>
+          <a:p>
+            <a:pPr marL="285750" indent="-285750">
+              <a:buFont typeface="Arial" panose="020B0604020202020204" pitchFamily="34" charset="0"/>
+              <a:buChar char="•"/>
+            </a:pPr>
+            <a:r>
+              <a:rPr lang="en-US" sz="2400" dirty="0"/>
+              <a:t>Soil Type</a:t>
+            </a:r>
+          </a:p>
+        </p:txBody>
+      </p:sp>
+    </p:spTree>
+    <p:extLst>
+      <p:ext uri="{BB962C8B-B14F-4D97-AF65-F5344CB8AC3E}">
+        <p14:creationId xmlns:p14="http://schemas.microsoft.com/office/powerpoint/2010/main" val="477183642"/>
+      </p:ext>
+    </p:extLst>
+  </p:cSld>
+  <p:clrMapOvr>
+    <a:masterClrMapping/>
+  </p:clrMapOvr>
+</p:sld>
+</file>
+
 <file path=ppt/slides/slide5.xml><?xml version="1.0" encoding="utf-8"?>
+<p:sld xmlns:a="http://schemas.openxmlformats.org/drawingml/2006/main" xmlns:r="http://schemas.openxmlformats.org/officeDocument/2006/relationships" xmlns:p="http://schemas.openxmlformats.org/presentationml/2006/main">
+  <p:cSld>
+    <p:spTree>
+      <p:nvGrpSpPr>
+        <p:cNvPr id="1" name=""/>
+        <p:cNvGrpSpPr/>
+        <p:nvPr/>
+      </p:nvGrpSpPr>
+      <p:grpSpPr>
+        <a:xfrm>
+          <a:off x="0" y="0"/>
+          <a:ext cx="0" cy="0"/>
+          <a:chOff x="0" y="0"/>
+          <a:chExt cx="0" cy="0"/>
+        </a:xfrm>
+      </p:grpSpPr>
+      <p:sp>
+        <p:nvSpPr>
+          <p:cNvPr id="2" name="Title 1">
+            <a:extLst>
+              <a:ext uri="{FF2B5EF4-FFF2-40B4-BE49-F238E27FC236}">
+                <a16:creationId xmlns:a16="http://schemas.microsoft.com/office/drawing/2014/main" id="{1312D9BD-DC27-46DC-9C76-8EE3FDD420FD}"/>
+              </a:ext>
+            </a:extLst>
+          </p:cNvPr>
+          <p:cNvSpPr>
+            <a:spLocks noGrp="1"/>
+          </p:cNvSpPr>
+          <p:nvPr>
+            <p:ph type="title"/>
+          </p:nvPr>
+        </p:nvSpPr>
+        <p:spPr>
+          <a:xfrm>
+            <a:off x="839788" y="665629"/>
+            <a:ext cx="10515600" cy="818995"/>
+          </a:xfrm>
+        </p:spPr>
+        <p:txBody>
+          <a:bodyPr/>
+          <a:lstStyle/>
+          <a:p>
+            <a:r>
+              <a:rPr lang="en-US" dirty="0"/>
+              <a:t>Tools We Used</a:t>
+            </a:r>
+          </a:p>
+        </p:txBody>
+      </p:sp>
+      <p:sp>
+        <p:nvSpPr>
+          <p:cNvPr id="31" name="Date Placeholder 30">
+            <a:extLst>
+              <a:ext uri="{FF2B5EF4-FFF2-40B4-BE49-F238E27FC236}">
+                <a16:creationId xmlns:a16="http://schemas.microsoft.com/office/drawing/2014/main" id="{3357F65D-3D58-480C-B301-77A72059929A}"/>
+              </a:ext>
+            </a:extLst>
+          </p:cNvPr>
+          <p:cNvSpPr>
+            <a:spLocks noGrp="1"/>
+          </p:cNvSpPr>
+          <p:nvPr>
+            <p:ph type="dt" sz="half" idx="10"/>
+          </p:nvPr>
+        </p:nvSpPr>
+        <p:spPr/>
+        <p:txBody>
+          <a:bodyPr/>
+          <a:lstStyle/>
+          <a:p>
+            <a:r>
+              <a:rPr lang="en-US" dirty="0"/>
+              <a:t>2023</a:t>
+            </a:r>
+          </a:p>
+        </p:txBody>
+      </p:sp>
+      <p:sp>
+        <p:nvSpPr>
+          <p:cNvPr id="32" name="Footer Placeholder 31">
+            <a:extLst>
+              <a:ext uri="{FF2B5EF4-FFF2-40B4-BE49-F238E27FC236}">
+                <a16:creationId xmlns:a16="http://schemas.microsoft.com/office/drawing/2014/main" id="{E8F197E9-9EE5-4C27-93B9-2E44E0ED5AC3}"/>
+              </a:ext>
+            </a:extLst>
+          </p:cNvPr>
+          <p:cNvSpPr>
+            <a:spLocks noGrp="1"/>
+          </p:cNvSpPr>
+          <p:nvPr>
+            <p:ph type="ftr" sz="quarter" idx="11"/>
+          </p:nvPr>
+        </p:nvSpPr>
+        <p:spPr/>
+        <p:txBody>
+          <a:bodyPr/>
+          <a:lstStyle/>
+          <a:p>
+            <a:r>
+              <a:rPr lang="en-US" dirty="0"/>
+              <a:t>Forest Cover Prediction – ML Models</a:t>
+            </a:r>
+          </a:p>
+        </p:txBody>
+      </p:sp>
+      <p:sp>
+        <p:nvSpPr>
+          <p:cNvPr id="33" name="Slide Number Placeholder 32">
+            <a:extLst>
+              <a:ext uri="{FF2B5EF4-FFF2-40B4-BE49-F238E27FC236}">
+                <a16:creationId xmlns:a16="http://schemas.microsoft.com/office/drawing/2014/main" id="{8D0E8400-C1CB-4DB2-BF78-421C9EECDC76}"/>
+              </a:ext>
+            </a:extLst>
+          </p:cNvPr>
+          <p:cNvSpPr>
+            <a:spLocks noGrp="1"/>
+          </p:cNvSpPr>
+          <p:nvPr>
+            <p:ph type="sldNum" sz="quarter" idx="12"/>
+          </p:nvPr>
+        </p:nvSpPr>
+        <p:spPr/>
+        <p:txBody>
+          <a:bodyPr/>
+          <a:lstStyle/>
+          <a:p>
+            <a:fld id="{AE208ADF-3ADD-483D-A721-14E3EEE2C135}" type="slidenum">
+              <a:rPr lang="en-US" smtClean="0"/>
+              <a:pPr/>
+              <a:t>5</a:t>
+            </a:fld>
+            <a:endParaRPr lang="en-US" dirty="0"/>
+          </a:p>
+        </p:txBody>
+      </p:sp>
+      <p:sp>
+        <p:nvSpPr>
+          <p:cNvPr id="10" name="Content Placeholder 9">
+            <a:extLst>
+              <a:ext uri="{FF2B5EF4-FFF2-40B4-BE49-F238E27FC236}">
+                <a16:creationId xmlns:a16="http://schemas.microsoft.com/office/drawing/2014/main" id="{29D7E2DC-9DE1-FB46-3182-09C059AD21DF}"/>
+              </a:ext>
+            </a:extLst>
+          </p:cNvPr>
+          <p:cNvSpPr>
+            <a:spLocks noGrp="1"/>
+          </p:cNvSpPr>
+          <p:nvPr>
+            <p:ph sz="quarter" idx="4"/>
+          </p:nvPr>
+        </p:nvSpPr>
+        <p:spPr>
+          <a:xfrm>
+            <a:off x="836612" y="2105247"/>
+            <a:ext cx="10515600" cy="4036609"/>
+          </a:xfrm>
+        </p:spPr>
+        <p:txBody>
+          <a:bodyPr numCol="3"/>
+          <a:lstStyle/>
+          <a:p>
+            <a:pPr marL="0" indent="0">
+              <a:buNone/>
+            </a:pPr>
+            <a:r>
+              <a:rPr lang="en-US" sz="2800" b="1" u="sng" dirty="0"/>
+              <a:t>Preprocessing</a:t>
+            </a:r>
+          </a:p>
+          <a:p>
+            <a:r>
+              <a:rPr lang="en-US" dirty="0"/>
+              <a:t>PostgreSQL</a:t>
+            </a:r>
+          </a:p>
+          <a:p>
+            <a:r>
+              <a:rPr lang="en-US" dirty="0" err="1"/>
+              <a:t>Numpy</a:t>
+            </a:r>
+            <a:endParaRPr lang="en-US" dirty="0"/>
+          </a:p>
+          <a:p>
+            <a:r>
+              <a:rPr lang="en-US" dirty="0"/>
+              <a:t>Pandas</a:t>
+            </a:r>
+          </a:p>
+          <a:p>
+            <a:endParaRPr lang="en-US" dirty="0"/>
+          </a:p>
+          <a:p>
+            <a:pPr marL="0" indent="0">
+              <a:buNone/>
+            </a:pPr>
+            <a:endParaRPr lang="en-US" sz="2800" b="1" u="sng" dirty="0"/>
+          </a:p>
+          <a:p>
+            <a:pPr marL="0" indent="0">
+              <a:buNone/>
+            </a:pPr>
+            <a:r>
+              <a:rPr lang="en-US" sz="2800" b="1" u="sng" dirty="0"/>
+              <a:t>Visualizations</a:t>
+            </a:r>
+          </a:p>
+          <a:p>
+            <a:r>
+              <a:rPr lang="en-US" dirty="0"/>
+              <a:t>Seaborn</a:t>
+            </a:r>
+          </a:p>
+          <a:p>
+            <a:r>
+              <a:rPr lang="en-US" dirty="0"/>
+              <a:t>Matplotlib</a:t>
+            </a:r>
+          </a:p>
+          <a:p>
+            <a:endParaRPr lang="en-US" dirty="0"/>
+          </a:p>
+          <a:p>
+            <a:endParaRPr lang="en-US" dirty="0"/>
+          </a:p>
+          <a:p>
+            <a:endParaRPr lang="en-US" dirty="0"/>
+          </a:p>
+          <a:p>
+            <a:endParaRPr lang="en-US" dirty="0"/>
+          </a:p>
+          <a:p>
+            <a:pPr marL="0" indent="0">
+              <a:buNone/>
+            </a:pPr>
+            <a:r>
+              <a:rPr lang="en-US" sz="2800" b="1" u="sng" dirty="0"/>
+              <a:t>Machine Learning</a:t>
+            </a:r>
+          </a:p>
+          <a:p>
+            <a:r>
+              <a:rPr lang="en-US" dirty="0"/>
+              <a:t>Sci-Kit Learn</a:t>
+            </a:r>
+          </a:p>
+          <a:p>
+            <a:r>
+              <a:rPr lang="en-US" dirty="0"/>
+              <a:t>TensorFlow</a:t>
+            </a:r>
+          </a:p>
+          <a:p>
+            <a:r>
+              <a:rPr lang="en-US" dirty="0"/>
+              <a:t>Spark</a:t>
+            </a:r>
+          </a:p>
+          <a:p>
+            <a:r>
+              <a:rPr lang="en-US" dirty="0" err="1"/>
+              <a:t>PyTorch</a:t>
+            </a:r>
+            <a:endParaRPr lang="en-US" dirty="0"/>
+          </a:p>
+        </p:txBody>
+      </p:sp>
+      <p:pic>
+        <p:nvPicPr>
+          <p:cNvPr id="24" name="Graphic 23">
+            <a:extLst>
+              <a:ext uri="{FF2B5EF4-FFF2-40B4-BE49-F238E27FC236}">
+                <a16:creationId xmlns:a16="http://schemas.microsoft.com/office/drawing/2014/main" id="{68A969C5-EB35-FF53-B2FD-FAFD51D6A998}"/>
+              </a:ext>
+            </a:extLst>
+          </p:cNvPr>
+          <p:cNvPicPr>
+            <a:picLocks noChangeAspect="1"/>
+          </p:cNvPicPr>
+          <p:nvPr/>
+        </p:nvPicPr>
+        <p:blipFill>
+          <a:blip r:embed="rId3">
+            <a:extLst>
+              <a:ext uri="{96DAC541-7B7A-43D3-8B79-37D633B846F1}">
+                <asvg:svgBlip xmlns:asvg="http://schemas.microsoft.com/office/drawing/2016/SVG/main" r:embed="rId4"/>
+              </a:ext>
+            </a:extLst>
+          </a:blip>
+          <a:stretch>
+            <a:fillRect/>
+          </a:stretch>
+        </p:blipFill>
+        <p:spPr>
+          <a:xfrm>
+            <a:off x="836612" y="4340070"/>
+            <a:ext cx="5016770" cy="1439375"/>
+          </a:xfrm>
+          <a:prstGeom prst="rect">
+            <a:avLst/>
+          </a:prstGeom>
+        </p:spPr>
+      </p:pic>
+    </p:spTree>
+    <p:extLst>
+      <p:ext uri="{BB962C8B-B14F-4D97-AF65-F5344CB8AC3E}">
+        <p14:creationId xmlns:p14="http://schemas.microsoft.com/office/powerpoint/2010/main" val="760201609"/>
+      </p:ext>
+    </p:extLst>
+  </p:cSld>
+  <p:clrMapOvr>
+    <a:masterClrMapping/>
+  </p:clrMapOvr>
+</p:sld>
+</file>
+
+<file path=ppt/slides/slide6.xml><?xml version="1.0" encoding="utf-8"?>
+<p:sld xmlns:a="http://schemas.openxmlformats.org/drawingml/2006/main" xmlns:r="http://schemas.openxmlformats.org/officeDocument/2006/relationships" xmlns:p="http://schemas.openxmlformats.org/presentationml/2006/main">
+  <p:cSld>
+    <p:spTree>
+      <p:nvGrpSpPr>
+        <p:cNvPr id="1" name=""/>
+        <p:cNvGrpSpPr/>
+        <p:nvPr/>
+      </p:nvGrpSpPr>
+      <p:grpSpPr>
+        <a:xfrm>
+          <a:off x="0" y="0"/>
+          <a:ext cx="0" cy="0"/>
+          <a:chOff x="0" y="0"/>
+          <a:chExt cx="0" cy="0"/>
+        </a:xfrm>
+      </p:grpSpPr>
+      <p:sp>
+        <p:nvSpPr>
+          <p:cNvPr id="2" name="Title 1">
+            <a:extLst>
+              <a:ext uri="{FF2B5EF4-FFF2-40B4-BE49-F238E27FC236}">
+                <a16:creationId xmlns:a16="http://schemas.microsoft.com/office/drawing/2014/main" id="{1312D9BD-DC27-46DC-9C76-8EE3FDD420FD}"/>
+              </a:ext>
+            </a:extLst>
+          </p:cNvPr>
+          <p:cNvSpPr>
+            <a:spLocks noGrp="1"/>
+          </p:cNvSpPr>
+          <p:nvPr>
+            <p:ph type="title"/>
+          </p:nvPr>
+        </p:nvSpPr>
+        <p:spPr>
+          <a:xfrm>
+            <a:off x="839788" y="665629"/>
+            <a:ext cx="10515600" cy="818995"/>
+          </a:xfrm>
+        </p:spPr>
+        <p:txBody>
+          <a:bodyPr/>
+          <a:lstStyle/>
+          <a:p>
+            <a:r>
+              <a:rPr lang="en-US" dirty="0"/>
+              <a:t>Exploratory Data Analysis</a:t>
+            </a:r>
+          </a:p>
+        </p:txBody>
+      </p:sp>
+      <p:sp>
+        <p:nvSpPr>
+          <p:cNvPr id="31" name="Date Placeholder 30">
+            <a:extLst>
+              <a:ext uri="{FF2B5EF4-FFF2-40B4-BE49-F238E27FC236}">
+                <a16:creationId xmlns:a16="http://schemas.microsoft.com/office/drawing/2014/main" id="{3357F65D-3D58-480C-B301-77A72059929A}"/>
+              </a:ext>
+            </a:extLst>
+          </p:cNvPr>
+          <p:cNvSpPr>
+            <a:spLocks noGrp="1"/>
+          </p:cNvSpPr>
+          <p:nvPr>
+            <p:ph type="dt" sz="half" idx="10"/>
+          </p:nvPr>
+        </p:nvSpPr>
+        <p:spPr/>
+        <p:txBody>
+          <a:bodyPr/>
+          <a:lstStyle/>
+          <a:p>
+            <a:r>
+              <a:rPr lang="en-US" dirty="0"/>
+              <a:t>2023</a:t>
+            </a:r>
+          </a:p>
+        </p:txBody>
+      </p:sp>
+      <p:sp>
+        <p:nvSpPr>
+          <p:cNvPr id="32" name="Footer Placeholder 31">
+            <a:extLst>
+              <a:ext uri="{FF2B5EF4-FFF2-40B4-BE49-F238E27FC236}">
+                <a16:creationId xmlns:a16="http://schemas.microsoft.com/office/drawing/2014/main" id="{E8F197E9-9EE5-4C27-93B9-2E44E0ED5AC3}"/>
+              </a:ext>
+            </a:extLst>
+          </p:cNvPr>
+          <p:cNvSpPr>
+            <a:spLocks noGrp="1"/>
+          </p:cNvSpPr>
+          <p:nvPr>
+            <p:ph type="ftr" sz="quarter" idx="11"/>
+          </p:nvPr>
+        </p:nvSpPr>
+        <p:spPr/>
+        <p:txBody>
+          <a:bodyPr/>
+          <a:lstStyle/>
+          <a:p>
+            <a:r>
+              <a:rPr lang="en-US" dirty="0"/>
+              <a:t>Forest Cover Prediction – ML Models</a:t>
+            </a:r>
+          </a:p>
+        </p:txBody>
+      </p:sp>
+      <p:sp>
+        <p:nvSpPr>
+          <p:cNvPr id="33" name="Slide Number Placeholder 32">
+            <a:extLst>
+              <a:ext uri="{FF2B5EF4-FFF2-40B4-BE49-F238E27FC236}">
+                <a16:creationId xmlns:a16="http://schemas.microsoft.com/office/drawing/2014/main" id="{8D0E8400-C1CB-4DB2-BF78-421C9EECDC76}"/>
+              </a:ext>
+            </a:extLst>
+          </p:cNvPr>
+          <p:cNvSpPr>
+            <a:spLocks noGrp="1"/>
+          </p:cNvSpPr>
+          <p:nvPr>
+            <p:ph type="sldNum" sz="quarter" idx="12"/>
+          </p:nvPr>
+        </p:nvSpPr>
+        <p:spPr/>
+        <p:txBody>
+          <a:bodyPr/>
+          <a:lstStyle/>
+          <a:p>
+            <a:fld id="{AE208ADF-3ADD-483D-A721-14E3EEE2C135}" type="slidenum">
+              <a:rPr lang="en-US" smtClean="0"/>
+              <a:pPr/>
+              <a:t>6</a:t>
+            </a:fld>
+            <a:endParaRPr lang="en-US" dirty="0"/>
+          </a:p>
+        </p:txBody>
+      </p:sp>
+    </p:spTree>
+    <p:extLst>
+      <p:ext uri="{BB962C8B-B14F-4D97-AF65-F5344CB8AC3E}">
+        <p14:creationId xmlns:p14="http://schemas.microsoft.com/office/powerpoint/2010/main" val="2810551051"/>
+      </p:ext>
+    </p:extLst>
+  </p:cSld>
+  <p:clrMapOvr>
+    <a:masterClrMapping/>
+  </p:clrMapOvr>
+</p:sld>
+</file>
+
+<file path=ppt/slides/slide7.xml><?xml version="1.0" encoding="utf-8"?>
 <p:sld xmlns:a="http://schemas.openxmlformats.org/drawingml/2006/main" xmlns:r="http://schemas.openxmlformats.org/officeDocument/2006/relationships" xmlns:p="http://schemas.openxmlformats.org/presentationml/2006/main">
   <p:cSld>
     <p:spTree>
@@ -36800,7 +38441,7 @@
           <a:p>
             <a:r>
               <a:rPr lang="en-US" dirty="0"/>
-              <a:t>ML Models – Some Intuition</a:t>
+              <a:t>ML Algorithms We Chose</a:t>
             </a:r>
           </a:p>
         </p:txBody>
@@ -36831,7 +38472,10 @@
           <a:bodyPr/>
           <a:lstStyle/>
           <a:p>
-            <a:endParaRPr lang="en-US" dirty="0"/>
+            <a:r>
+              <a:rPr lang="en-US" dirty="0"/>
+              <a:t>Logistic Regression</a:t>
+            </a:r>
           </a:p>
         </p:txBody>
       </p:sp>
@@ -36861,7 +38505,7 @@
           <a:bodyPr/>
           <a:lstStyle/>
           <a:p>
-            <a:endParaRPr lang="en-US"/>
+            <a:endParaRPr lang="en-US" dirty="0"/>
           </a:p>
         </p:txBody>
       </p:sp>
@@ -36891,7 +38535,16 @@
           <a:bodyPr/>
           <a:lstStyle/>
           <a:p>
-            <a:endParaRPr lang="en-US"/>
+            <a:r>
+              <a:rPr lang="en-US" dirty="0"/>
+              <a:t>Random</a:t>
+            </a:r>
+          </a:p>
+          <a:p>
+            <a:r>
+              <a:rPr lang="en-US" dirty="0"/>
+              <a:t>Forest</a:t>
+            </a:r>
           </a:p>
         </p:txBody>
       </p:sp>
@@ -36912,7 +38565,7 @@
           </p:nvPr>
         </p:nvPicPr>
         <p:blipFill rotWithShape="1">
-          <a:blip r:embed="rId2"/>
+          <a:blip r:embed="rId3"/>
           <a:srcRect l="9870" r="33252" b="-2"/>
           <a:stretch/>
         </p:blipFill>
@@ -36950,7 +38603,22 @@
           <a:bodyPr/>
           <a:lstStyle/>
           <a:p>
-            <a:endParaRPr lang="en-US"/>
+            <a:r>
+              <a:rPr lang="en-US" dirty="0"/>
+              <a:t>Gaussian</a:t>
+            </a:r>
+          </a:p>
+          <a:p>
+            <a:r>
+              <a:rPr lang="en-US" dirty="0"/>
+              <a:t>NB</a:t>
+            </a:r>
+          </a:p>
+          <a:p>
+            <a:r>
+              <a:rPr lang="en-US" dirty="0"/>
+              <a:t>Bagging Classifier</a:t>
+            </a:r>
           </a:p>
         </p:txBody>
       </p:sp>
@@ -37099,7 +38767,7 @@
                   <a:spcPts val="600"/>
                 </a:spcAft>
               </a:pPr>
-              <a:t>5</a:t>
+              <a:t>7</a:t>
             </a:fld>
             <a:endParaRPr lang="en-US"/>
           </a:p>
@@ -37118,7 +38786,7 @@
 </p:sld>
 </file>
 
-<file path=ppt/slides/slide6.xml><?xml version="1.0" encoding="utf-8"?>
+<file path=ppt/slides/slide8.xml><?xml version="1.0" encoding="utf-8"?>
 <p:sld xmlns:a="http://schemas.openxmlformats.org/drawingml/2006/main" xmlns:r="http://schemas.openxmlformats.org/officeDocument/2006/relationships" xmlns:p="http://schemas.openxmlformats.org/presentationml/2006/main">
   <p:cSld>
     <p:spTree>
@@ -37172,10 +38840,10 @@
       </p:sp>
       <p:sp>
         <p:nvSpPr>
-          <p:cNvPr id="29" name="Text Placeholder 2">
+          <p:cNvPr id="4" name="Date Placeholder 3">
             <a:extLst>
               <a:ext uri="{FF2B5EF4-FFF2-40B4-BE49-F238E27FC236}">
-                <a16:creationId xmlns:a16="http://schemas.microsoft.com/office/drawing/2014/main" id="{4B9EE653-3738-161D-E76D-65F2CB0B5FBE}"/>
+                <a16:creationId xmlns:a16="http://schemas.microsoft.com/office/drawing/2014/main" id="{456F3C0F-8280-065A-827C-08E0F5C01B29}"/>
               </a:ext>
             </a:extLst>
           </p:cNvPr>
@@ -37183,32 +38851,39 @@
             <a:spLocks noGrp="1"/>
           </p:cNvSpPr>
           <p:nvPr>
-            <p:ph type="body" idx="1"/>
+            <p:ph type="dt" sz="half" idx="10"/>
           </p:nvPr>
         </p:nvSpPr>
         <p:spPr>
           <a:xfrm>
-            <a:off x="836612" y="1806039"/>
-            <a:ext cx="5157787" cy="584548"/>
+            <a:off x="258792" y="6356350"/>
+            <a:ext cx="3322608" cy="365125"/>
           </a:xfrm>
         </p:spPr>
         <p:txBody>
-          <a:bodyPr/>
+          <a:bodyPr anchor="ctr">
+            <a:normAutofit/>
+          </a:bodyPr>
           <a:lstStyle/>
           <a:p>
+            <a:pPr>
+              <a:spcAft>
+                <a:spcPts val="600"/>
+              </a:spcAft>
+            </a:pPr>
             <a:r>
               <a:rPr lang="en-US" dirty="0"/>
-              <a:t>Machine Learning type 1</a:t>
+              <a:t>2023</a:t>
             </a:r>
           </a:p>
         </p:txBody>
       </p:sp>
       <p:sp>
         <p:nvSpPr>
-          <p:cNvPr id="31" name="Content Placeholder 3">
+          <p:cNvPr id="5" name="Footer Placeholder 4">
             <a:extLst>
               <a:ext uri="{FF2B5EF4-FFF2-40B4-BE49-F238E27FC236}">
-                <a16:creationId xmlns:a16="http://schemas.microsoft.com/office/drawing/2014/main" id="{B6365961-DF22-84B5-9CAE-98DB897EFA80}"/>
+                <a16:creationId xmlns:a16="http://schemas.microsoft.com/office/drawing/2014/main" id="{9A8E7427-EF76-4ADE-E84C-2D205A121B99}"/>
               </a:ext>
             </a:extLst>
           </p:cNvPr>
@@ -37216,22 +38891,389 @@
             <a:spLocks noGrp="1"/>
           </p:cNvSpPr>
           <p:nvPr>
-            <p:ph sz="half" idx="2"/>
+            <p:ph type="ftr" sz="quarter" idx="11"/>
           </p:nvPr>
         </p:nvSpPr>
         <p:spPr>
           <a:xfrm>
-            <a:off x="839788" y="2390588"/>
-            <a:ext cx="5157787" cy="3751268"/>
+            <a:off x="3581399" y="6356350"/>
+            <a:ext cx="5029203" cy="365125"/>
           </a:xfrm>
         </p:spPr>
         <p:txBody>
-          <a:bodyPr/>
+          <a:bodyPr anchor="ctr">
+            <a:normAutofit/>
+          </a:bodyPr>
           <a:lstStyle/>
           <a:p>
             <a:r>
               <a:rPr lang="en-US" dirty="0"/>
-              <a:t>Results </a:t>
+              <a:t>Forest Cover Prediction – ML Models</a:t>
+            </a:r>
+          </a:p>
+        </p:txBody>
+      </p:sp>
+      <p:sp>
+        <p:nvSpPr>
+          <p:cNvPr id="6" name="Slide Number Placeholder 5">
+            <a:extLst>
+              <a:ext uri="{FF2B5EF4-FFF2-40B4-BE49-F238E27FC236}">
+                <a16:creationId xmlns:a16="http://schemas.microsoft.com/office/drawing/2014/main" id="{6B3A6227-18C7-AD16-5B9D-1FC3447F4CEB}"/>
+              </a:ext>
+            </a:extLst>
+          </p:cNvPr>
+          <p:cNvSpPr>
+            <a:spLocks noGrp="1"/>
+          </p:cNvSpPr>
+          <p:nvPr>
+            <p:ph type="sldNum" sz="quarter" idx="12"/>
+          </p:nvPr>
+        </p:nvSpPr>
+        <p:spPr>
+          <a:xfrm>
+            <a:off x="10518474" y="6356350"/>
+            <a:ext cx="1414733" cy="365125"/>
+          </a:xfrm>
+        </p:spPr>
+        <p:txBody>
+          <a:bodyPr anchor="ctr">
+            <a:normAutofit/>
+          </a:bodyPr>
+          <a:lstStyle/>
+          <a:p>
+            <a:pPr>
+              <a:spcAft>
+                <a:spcPts val="600"/>
+              </a:spcAft>
+            </a:pPr>
+            <a:fld id="{AE208ADF-3ADD-483D-A721-14E3EEE2C135}" type="slidenum">
+              <a:rPr lang="en-US" smtClean="0"/>
+              <a:pPr>
+                <a:spcAft>
+                  <a:spcPts val="600"/>
+                </a:spcAft>
+              </a:pPr>
+              <a:t>8</a:t>
+            </a:fld>
+            <a:endParaRPr lang="en-US"/>
+          </a:p>
+        </p:txBody>
+      </p:sp>
+      <p:pic>
+        <p:nvPicPr>
+          <p:cNvPr id="7" name="Picture 6" descr="A screenshot of a document&#10;&#10;Description automatically generated with low confidence">
+            <a:extLst>
+              <a:ext uri="{FF2B5EF4-FFF2-40B4-BE49-F238E27FC236}">
+                <a16:creationId xmlns:a16="http://schemas.microsoft.com/office/drawing/2014/main" id="{CAC52023-71A9-7956-B97F-5E6ADE9E8938}"/>
+              </a:ext>
+            </a:extLst>
+          </p:cNvPr>
+          <p:cNvPicPr>
+            <a:picLocks noChangeAspect="1"/>
+          </p:cNvPicPr>
+          <p:nvPr/>
+        </p:nvPicPr>
+        <p:blipFill>
+          <a:blip r:embed="rId3"/>
+          <a:stretch>
+            <a:fillRect/>
+          </a:stretch>
+        </p:blipFill>
+        <p:spPr>
+          <a:xfrm>
+            <a:off x="8754614" y="259585"/>
+            <a:ext cx="2597598" cy="5932786"/>
+          </a:xfrm>
+          <a:prstGeom prst="rect">
+            <a:avLst/>
+          </a:prstGeom>
+        </p:spPr>
+      </p:pic>
+      <p:graphicFrame>
+        <p:nvGraphicFramePr>
+          <p:cNvPr id="14" name="Table 14">
+            <a:extLst>
+              <a:ext uri="{FF2B5EF4-FFF2-40B4-BE49-F238E27FC236}">
+                <a16:creationId xmlns:a16="http://schemas.microsoft.com/office/drawing/2014/main" id="{B30678BE-E7B0-1E77-B0A6-85C587B67F14}"/>
+              </a:ext>
+            </a:extLst>
+          </p:cNvPr>
+          <p:cNvGraphicFramePr>
+            <a:graphicFrameLocks noGrp="1"/>
+          </p:cNvGraphicFramePr>
+          <p:nvPr>
+            <p:extLst>
+              <p:ext uri="{D42A27DB-BD31-4B8C-83A1-F6EECF244321}">
+                <p14:modId xmlns:p14="http://schemas.microsoft.com/office/powerpoint/2010/main" val="562814683"/>
+              </p:ext>
+            </p:extLst>
+          </p:nvPr>
+        </p:nvGraphicFramePr>
+        <p:xfrm>
+          <a:off x="1014193" y="2046488"/>
+          <a:ext cx="7371050" cy="3751198"/>
+        </p:xfrm>
+        <a:graphic>
+          <a:graphicData uri="http://schemas.openxmlformats.org/drawingml/2006/table">
+            <a:tbl>
+              <a:tblPr firstRow="1" bandRow="1">
+                <a:tableStyleId>{5C22544A-7EE6-4342-B048-85BDC9FD1C3A}</a:tableStyleId>
+              </a:tblPr>
+              <a:tblGrid>
+                <a:gridCol w="3685525">
+                  <a:extLst>
+                    <a:ext uri="{9D8B030D-6E8A-4147-A177-3AD203B41FA5}">
+                      <a16:colId xmlns:a16="http://schemas.microsoft.com/office/drawing/2014/main" val="2936900351"/>
+                    </a:ext>
+                  </a:extLst>
+                </a:gridCol>
+                <a:gridCol w="3685525">
+                  <a:extLst>
+                    <a:ext uri="{9D8B030D-6E8A-4147-A177-3AD203B41FA5}">
+                      <a16:colId xmlns:a16="http://schemas.microsoft.com/office/drawing/2014/main" val="3663309511"/>
+                    </a:ext>
+                  </a:extLst>
+                </a:gridCol>
+              </a:tblGrid>
+              <a:tr h="731838">
+                <a:tc>
+                  <a:txBody>
+                    <a:bodyPr/>
+                    <a:lstStyle/>
+                    <a:p>
+                      <a:r>
+                        <a:rPr lang="en-US" dirty="0"/>
+                        <a:t>Algorithm</a:t>
+                      </a:r>
+                    </a:p>
+                  </a:txBody>
+                  <a:tcPr/>
+                </a:tc>
+                <a:tc>
+                  <a:txBody>
+                    <a:bodyPr/>
+                    <a:lstStyle/>
+                    <a:p>
+                      <a:r>
+                        <a:rPr lang="en-US" dirty="0"/>
+                        <a:t>Accuracy</a:t>
+                      </a:r>
+                    </a:p>
+                  </a:txBody>
+                  <a:tcPr/>
+                </a:tc>
+                <a:extLst>
+                  <a:ext uri="{0D108BD9-81ED-4DB2-BD59-A6C34878D82A}">
+                    <a16:rowId xmlns:a16="http://schemas.microsoft.com/office/drawing/2014/main" val="249746153"/>
+                  </a:ext>
+                </a:extLst>
+              </a:tr>
+              <a:tr h="754840">
+                <a:tc>
+                  <a:txBody>
+                    <a:bodyPr/>
+                    <a:lstStyle/>
+                    <a:p>
+                      <a:r>
+                        <a:rPr lang="en-US" dirty="0">
+                          <a:highlight>
+                            <a:srgbClr val="FFFF00"/>
+                          </a:highlight>
+                        </a:rPr>
+                        <a:t>Random Forest</a:t>
+                      </a:r>
+                    </a:p>
+                  </a:txBody>
+                  <a:tcPr/>
+                </a:tc>
+                <a:tc>
+                  <a:txBody>
+                    <a:bodyPr/>
+                    <a:lstStyle/>
+                    <a:p>
+                      <a:r>
+                        <a:rPr lang="en-US" dirty="0">
+                          <a:highlight>
+                            <a:srgbClr val="FFFF00"/>
+                          </a:highlight>
+                        </a:rPr>
+                        <a:t>85.02%</a:t>
+                      </a:r>
+                    </a:p>
+                  </a:txBody>
+                  <a:tcPr/>
+                </a:tc>
+                <a:extLst>
+                  <a:ext uri="{0D108BD9-81ED-4DB2-BD59-A6C34878D82A}">
+                    <a16:rowId xmlns:a16="http://schemas.microsoft.com/office/drawing/2014/main" val="4186274081"/>
+                  </a:ext>
+                </a:extLst>
+              </a:tr>
+              <a:tr h="754840">
+                <a:tc>
+                  <a:txBody>
+                    <a:bodyPr/>
+                    <a:lstStyle/>
+                    <a:p>
+                      <a:r>
+                        <a:rPr lang="en-US" dirty="0"/>
+                        <a:t>Bagging Classifier</a:t>
+                      </a:r>
+                    </a:p>
+                  </a:txBody>
+                  <a:tcPr/>
+                </a:tc>
+                <a:tc>
+                  <a:txBody>
+                    <a:bodyPr/>
+                    <a:lstStyle/>
+                    <a:p>
+                      <a:r>
+                        <a:rPr lang="en-US" dirty="0"/>
+                        <a:t>84.62%</a:t>
+                      </a:r>
+                    </a:p>
+                  </a:txBody>
+                  <a:tcPr/>
+                </a:tc>
+                <a:extLst>
+                  <a:ext uri="{0D108BD9-81ED-4DB2-BD59-A6C34878D82A}">
+                    <a16:rowId xmlns:a16="http://schemas.microsoft.com/office/drawing/2014/main" val="1801273742"/>
+                  </a:ext>
+                </a:extLst>
+              </a:tr>
+              <a:tr h="754840">
+                <a:tc>
+                  <a:txBody>
+                    <a:bodyPr/>
+                    <a:lstStyle/>
+                    <a:p>
+                      <a:r>
+                        <a:rPr lang="en-US" dirty="0" err="1"/>
+                        <a:t>GaussianNB</a:t>
+                      </a:r>
+                      <a:endParaRPr lang="en-US" dirty="0"/>
+                    </a:p>
+                  </a:txBody>
+                  <a:tcPr/>
+                </a:tc>
+                <a:tc>
+                  <a:txBody>
+                    <a:bodyPr/>
+                    <a:lstStyle/>
+                    <a:p>
+                      <a:r>
+                        <a:rPr lang="en-US" dirty="0"/>
+                        <a:t>59.68%</a:t>
+                      </a:r>
+                    </a:p>
+                  </a:txBody>
+                  <a:tcPr/>
+                </a:tc>
+                <a:extLst>
+                  <a:ext uri="{0D108BD9-81ED-4DB2-BD59-A6C34878D82A}">
+                    <a16:rowId xmlns:a16="http://schemas.microsoft.com/office/drawing/2014/main" val="4245116356"/>
+                  </a:ext>
+                </a:extLst>
+              </a:tr>
+              <a:tr h="754840">
+                <a:tc>
+                  <a:txBody>
+                    <a:bodyPr/>
+                    <a:lstStyle/>
+                    <a:p>
+                      <a:r>
+                        <a:rPr lang="en-US" dirty="0"/>
+                        <a:t>Logistic Regression</a:t>
+                      </a:r>
+                    </a:p>
+                  </a:txBody>
+                  <a:tcPr/>
+                </a:tc>
+                <a:tc>
+                  <a:txBody>
+                    <a:bodyPr/>
+                    <a:lstStyle/>
+                    <a:p>
+                      <a:r>
+                        <a:rPr lang="en-US" dirty="0"/>
+                        <a:t>51.11%</a:t>
+                      </a:r>
+                    </a:p>
+                  </a:txBody>
+                  <a:tcPr/>
+                </a:tc>
+                <a:extLst>
+                  <a:ext uri="{0D108BD9-81ED-4DB2-BD59-A6C34878D82A}">
+                    <a16:rowId xmlns:a16="http://schemas.microsoft.com/office/drawing/2014/main" val="2116689429"/>
+                  </a:ext>
+                </a:extLst>
+              </a:tr>
+            </a:tbl>
+          </a:graphicData>
+        </a:graphic>
+      </p:graphicFrame>
+    </p:spTree>
+    <p:extLst>
+      <p:ext uri="{BB962C8B-B14F-4D97-AF65-F5344CB8AC3E}">
+        <p14:creationId xmlns:p14="http://schemas.microsoft.com/office/powerpoint/2010/main" val="4141637417"/>
+      </p:ext>
+    </p:extLst>
+  </p:cSld>
+  <p:clrMapOvr>
+    <a:masterClrMapping/>
+  </p:clrMapOvr>
+</p:sld>
+</file>
+
+<file path=ppt/slides/slide9.xml><?xml version="1.0" encoding="utf-8"?>
+<p:sld xmlns:a="http://schemas.openxmlformats.org/drawingml/2006/main" xmlns:r="http://schemas.openxmlformats.org/officeDocument/2006/relationships" xmlns:p="http://schemas.openxmlformats.org/presentationml/2006/main">
+  <p:cSld>
+    <p:spTree>
+      <p:nvGrpSpPr>
+        <p:cNvPr id="1" name=""/>
+        <p:cNvGrpSpPr/>
+        <p:nvPr/>
+      </p:nvGrpSpPr>
+      <p:grpSpPr>
+        <a:xfrm>
+          <a:off x="0" y="0"/>
+          <a:ext cx="0" cy="0"/>
+          <a:chOff x="0" y="0"/>
+          <a:chExt cx="0" cy="0"/>
+        </a:xfrm>
+      </p:grpSpPr>
+      <p:sp>
+        <p:nvSpPr>
+          <p:cNvPr id="2" name="Title 1">
+            <a:extLst>
+              <a:ext uri="{FF2B5EF4-FFF2-40B4-BE49-F238E27FC236}">
+                <a16:creationId xmlns:a16="http://schemas.microsoft.com/office/drawing/2014/main" id="{ABB74EDE-E9E4-A20F-195A-85BE1D6B49B2}"/>
+              </a:ext>
+            </a:extLst>
+          </p:cNvPr>
+          <p:cNvSpPr>
+            <a:spLocks noGrp="1"/>
+          </p:cNvSpPr>
+          <p:nvPr>
+            <p:ph type="title"/>
+          </p:nvPr>
+        </p:nvSpPr>
+        <p:spPr>
+          <a:xfrm>
+            <a:off x="839788" y="665629"/>
+            <a:ext cx="10515600" cy="818995"/>
+          </a:xfrm>
+        </p:spPr>
+        <p:txBody>
+          <a:bodyPr anchor="ctr">
+            <a:normAutofit/>
+          </a:bodyPr>
+          <a:lstStyle/>
+          <a:p>
+            <a:r>
+              <a:rPr lang="en-US" dirty="0"/>
+              <a:t>Results</a:t>
             </a:r>
           </a:p>
         </p:txBody>
@@ -37417,951 +39459,46 @@
                   <a:spcPts val="600"/>
                 </a:spcAft>
               </a:pPr>
-              <a:t>6</a:t>
+              <a:t>9</a:t>
             </a:fld>
             <a:endParaRPr lang="en-US"/>
           </a:p>
         </p:txBody>
       </p:sp>
-    </p:spTree>
-    <p:extLst>
-      <p:ext uri="{BB962C8B-B14F-4D97-AF65-F5344CB8AC3E}">
-        <p14:creationId xmlns:p14="http://schemas.microsoft.com/office/powerpoint/2010/main" val="4141637417"/>
-      </p:ext>
-    </p:extLst>
-  </p:cSld>
-  <p:clrMapOvr>
-    <a:masterClrMapping/>
-  </p:clrMapOvr>
-</p:sld>
-</file>
-
-<file path=ppt/slides/slide7.xml><?xml version="1.0" encoding="utf-8"?>
-<p:sld xmlns:a="http://schemas.openxmlformats.org/drawingml/2006/main" xmlns:r="http://schemas.openxmlformats.org/officeDocument/2006/relationships" xmlns:p="http://schemas.openxmlformats.org/presentationml/2006/main">
-  <p:cSld>
-    <p:spTree>
-      <p:nvGrpSpPr>
-        <p:cNvPr id="1" name=""/>
-        <p:cNvGrpSpPr/>
-        <p:nvPr/>
-      </p:nvGrpSpPr>
-      <p:grpSpPr>
-        <a:xfrm>
-          <a:off x="0" y="0"/>
-          <a:ext cx="0" cy="0"/>
-          <a:chOff x="0" y="0"/>
-          <a:chExt cx="0" cy="0"/>
-        </a:xfrm>
-      </p:grpSpPr>
-      <p:sp>
-        <p:nvSpPr>
-          <p:cNvPr id="2" name="Title 1">
+      <p:pic>
+        <p:nvPicPr>
+          <p:cNvPr id="7" name="Picture 6" descr="A picture containing text, screenshot, diagram, line&#10;&#10;Description automatically generated">
             <a:extLst>
               <a:ext uri="{FF2B5EF4-FFF2-40B4-BE49-F238E27FC236}">
-                <a16:creationId xmlns:a16="http://schemas.microsoft.com/office/drawing/2014/main" id="{ABB74EDE-E9E4-A20F-195A-85BE1D6B49B2}"/>
+                <a16:creationId xmlns:a16="http://schemas.microsoft.com/office/drawing/2014/main" id="{BD2332B4-4B66-A272-486C-0728FC83D99C}"/>
               </a:ext>
             </a:extLst>
           </p:cNvPr>
-          <p:cNvSpPr>
-            <a:spLocks noGrp="1"/>
-          </p:cNvSpPr>
-          <p:nvPr>
-            <p:ph type="title"/>
-          </p:nvPr>
-        </p:nvSpPr>
+          <p:cNvPicPr>
+            <a:picLocks noChangeAspect="1"/>
+          </p:cNvPicPr>
+          <p:nvPr/>
+        </p:nvPicPr>
+        <p:blipFill>
+          <a:blip r:embed="rId3"/>
+          <a:stretch>
+            <a:fillRect/>
+          </a:stretch>
+        </p:blipFill>
         <p:spPr>
           <a:xfrm>
-            <a:off x="839788" y="665629"/>
-            <a:ext cx="10515600" cy="818995"/>
+            <a:off x="839787" y="1784165"/>
+            <a:ext cx="4860621" cy="4445690"/>
           </a:xfrm>
+          <a:prstGeom prst="rect">
+            <a:avLst/>
+          </a:prstGeom>
         </p:spPr>
-        <p:txBody>
-          <a:bodyPr anchor="ctr">
-            <a:normAutofit/>
-          </a:bodyPr>
-          <a:lstStyle/>
-          <a:p>
-            <a:r>
-              <a:rPr lang="en-US" dirty="0"/>
-              <a:t>Results</a:t>
-            </a:r>
-          </a:p>
-        </p:txBody>
-      </p:sp>
-      <p:sp>
-        <p:nvSpPr>
-          <p:cNvPr id="29" name="Text Placeholder 2">
-            <a:extLst>
-              <a:ext uri="{FF2B5EF4-FFF2-40B4-BE49-F238E27FC236}">
-                <a16:creationId xmlns:a16="http://schemas.microsoft.com/office/drawing/2014/main" id="{4B9EE653-3738-161D-E76D-65F2CB0B5FBE}"/>
-              </a:ext>
-            </a:extLst>
-          </p:cNvPr>
-          <p:cNvSpPr>
-            <a:spLocks noGrp="1"/>
-          </p:cNvSpPr>
-          <p:nvPr>
-            <p:ph type="body" idx="1"/>
-          </p:nvPr>
-        </p:nvSpPr>
-        <p:spPr>
-          <a:xfrm>
-            <a:off x="836612" y="1806039"/>
-            <a:ext cx="5157787" cy="584548"/>
-          </a:xfrm>
-        </p:spPr>
-        <p:txBody>
-          <a:bodyPr/>
-          <a:lstStyle/>
-          <a:p>
-            <a:r>
-              <a:rPr lang="en-US" dirty="0"/>
-              <a:t>Machine Learning type 1</a:t>
-            </a:r>
-          </a:p>
-        </p:txBody>
-      </p:sp>
-      <p:sp>
-        <p:nvSpPr>
-          <p:cNvPr id="31" name="Content Placeholder 3">
-            <a:extLst>
-              <a:ext uri="{FF2B5EF4-FFF2-40B4-BE49-F238E27FC236}">
-                <a16:creationId xmlns:a16="http://schemas.microsoft.com/office/drawing/2014/main" id="{B6365961-DF22-84B5-9CAE-98DB897EFA80}"/>
-              </a:ext>
-            </a:extLst>
-          </p:cNvPr>
-          <p:cNvSpPr>
-            <a:spLocks noGrp="1"/>
-          </p:cNvSpPr>
-          <p:nvPr>
-            <p:ph sz="half" idx="2"/>
-          </p:nvPr>
-        </p:nvSpPr>
-        <p:spPr>
-          <a:xfrm>
-            <a:off x="839788" y="2390588"/>
-            <a:ext cx="5157787" cy="3751268"/>
-          </a:xfrm>
-        </p:spPr>
-        <p:txBody>
-          <a:bodyPr/>
-          <a:lstStyle/>
-          <a:p>
-            <a:r>
-              <a:rPr lang="en-US" dirty="0"/>
-              <a:t>Results </a:t>
-            </a:r>
-          </a:p>
-        </p:txBody>
-      </p:sp>
-      <p:sp>
-        <p:nvSpPr>
-          <p:cNvPr id="33" name="Text Placeholder 4">
-            <a:extLst>
-              <a:ext uri="{FF2B5EF4-FFF2-40B4-BE49-F238E27FC236}">
-                <a16:creationId xmlns:a16="http://schemas.microsoft.com/office/drawing/2014/main" id="{34364ABC-F501-477B-E2AF-73C2466E66C3}"/>
-              </a:ext>
-            </a:extLst>
-          </p:cNvPr>
-          <p:cNvSpPr>
-            <a:spLocks noGrp="1"/>
-          </p:cNvSpPr>
-          <p:nvPr>
-            <p:ph type="body" sz="quarter" idx="3"/>
-          </p:nvPr>
-        </p:nvSpPr>
-        <p:spPr>
-          <a:xfrm>
-            <a:off x="6169024" y="1806038"/>
-            <a:ext cx="5183188" cy="584549"/>
-          </a:xfrm>
-        </p:spPr>
-        <p:txBody>
-          <a:bodyPr/>
-          <a:lstStyle/>
-          <a:p>
-            <a:r>
-              <a:rPr lang="en-US" dirty="0"/>
-              <a:t>Machine Learning type 2</a:t>
-            </a:r>
-          </a:p>
-        </p:txBody>
-      </p:sp>
-      <p:sp>
-        <p:nvSpPr>
-          <p:cNvPr id="35" name="Content Placeholder 5">
-            <a:extLst>
-              <a:ext uri="{FF2B5EF4-FFF2-40B4-BE49-F238E27FC236}">
-                <a16:creationId xmlns:a16="http://schemas.microsoft.com/office/drawing/2014/main" id="{4E138987-9A07-4A4D-0432-DA6BF76DCFC2}"/>
-              </a:ext>
-            </a:extLst>
-          </p:cNvPr>
-          <p:cNvSpPr>
-            <a:spLocks noGrp="1"/>
-          </p:cNvSpPr>
-          <p:nvPr>
-            <p:ph sz="quarter" idx="4"/>
-          </p:nvPr>
-        </p:nvSpPr>
-        <p:spPr>
-          <a:xfrm>
-            <a:off x="6169024" y="2390588"/>
-            <a:ext cx="5183188" cy="3751268"/>
-          </a:xfrm>
-        </p:spPr>
-        <p:txBody>
-          <a:bodyPr/>
-          <a:lstStyle/>
-          <a:p>
-            <a:r>
-              <a:rPr lang="en-US" dirty="0"/>
-              <a:t>Results </a:t>
-            </a:r>
-          </a:p>
-        </p:txBody>
-      </p:sp>
-      <p:sp>
-        <p:nvSpPr>
-          <p:cNvPr id="4" name="Date Placeholder 3">
-            <a:extLst>
-              <a:ext uri="{FF2B5EF4-FFF2-40B4-BE49-F238E27FC236}">
-                <a16:creationId xmlns:a16="http://schemas.microsoft.com/office/drawing/2014/main" id="{456F3C0F-8280-065A-827C-08E0F5C01B29}"/>
-              </a:ext>
-            </a:extLst>
-          </p:cNvPr>
-          <p:cNvSpPr>
-            <a:spLocks noGrp="1"/>
-          </p:cNvSpPr>
-          <p:nvPr>
-            <p:ph type="dt" sz="half" idx="10"/>
-          </p:nvPr>
-        </p:nvSpPr>
-        <p:spPr>
-          <a:xfrm>
-            <a:off x="258792" y="6356350"/>
-            <a:ext cx="3322608" cy="365125"/>
-          </a:xfrm>
-        </p:spPr>
-        <p:txBody>
-          <a:bodyPr anchor="ctr">
-            <a:normAutofit/>
-          </a:bodyPr>
-          <a:lstStyle/>
-          <a:p>
-            <a:pPr>
-              <a:spcAft>
-                <a:spcPts val="600"/>
-              </a:spcAft>
-            </a:pPr>
-            <a:r>
-              <a:rPr lang="en-US" dirty="0"/>
-              <a:t>2023</a:t>
-            </a:r>
-          </a:p>
-        </p:txBody>
-      </p:sp>
-      <p:sp>
-        <p:nvSpPr>
-          <p:cNvPr id="5" name="Footer Placeholder 4">
-            <a:extLst>
-              <a:ext uri="{FF2B5EF4-FFF2-40B4-BE49-F238E27FC236}">
-                <a16:creationId xmlns:a16="http://schemas.microsoft.com/office/drawing/2014/main" id="{9A8E7427-EF76-4ADE-E84C-2D205A121B99}"/>
-              </a:ext>
-            </a:extLst>
-          </p:cNvPr>
-          <p:cNvSpPr>
-            <a:spLocks noGrp="1"/>
-          </p:cNvSpPr>
-          <p:nvPr>
-            <p:ph type="ftr" sz="quarter" idx="11"/>
-          </p:nvPr>
-        </p:nvSpPr>
-        <p:spPr>
-          <a:xfrm>
-            <a:off x="3581399" y="6356350"/>
-            <a:ext cx="5029203" cy="365125"/>
-          </a:xfrm>
-        </p:spPr>
-        <p:txBody>
-          <a:bodyPr anchor="ctr">
-            <a:normAutofit/>
-          </a:bodyPr>
-          <a:lstStyle/>
-          <a:p>
-            <a:r>
-              <a:rPr lang="en-US" dirty="0"/>
-              <a:t>Forest Cover Prediction – ML Models</a:t>
-            </a:r>
-          </a:p>
-        </p:txBody>
-      </p:sp>
-      <p:sp>
-        <p:nvSpPr>
-          <p:cNvPr id="6" name="Slide Number Placeholder 5">
-            <a:extLst>
-              <a:ext uri="{FF2B5EF4-FFF2-40B4-BE49-F238E27FC236}">
-                <a16:creationId xmlns:a16="http://schemas.microsoft.com/office/drawing/2014/main" id="{6B3A6227-18C7-AD16-5B9D-1FC3447F4CEB}"/>
-              </a:ext>
-            </a:extLst>
-          </p:cNvPr>
-          <p:cNvSpPr>
-            <a:spLocks noGrp="1"/>
-          </p:cNvSpPr>
-          <p:nvPr>
-            <p:ph type="sldNum" sz="quarter" idx="12"/>
-          </p:nvPr>
-        </p:nvSpPr>
-        <p:spPr>
-          <a:xfrm>
-            <a:off x="10518474" y="6356350"/>
-            <a:ext cx="1414733" cy="365125"/>
-          </a:xfrm>
-        </p:spPr>
-        <p:txBody>
-          <a:bodyPr anchor="ctr">
-            <a:normAutofit/>
-          </a:bodyPr>
-          <a:lstStyle/>
-          <a:p>
-            <a:pPr>
-              <a:spcAft>
-                <a:spcPts val="600"/>
-              </a:spcAft>
-            </a:pPr>
-            <a:fld id="{AE208ADF-3ADD-483D-A721-14E3EEE2C135}" type="slidenum">
-              <a:rPr lang="en-US" smtClean="0"/>
-              <a:pPr>
-                <a:spcAft>
-                  <a:spcPts val="600"/>
-                </a:spcAft>
-              </a:pPr>
-              <a:t>7</a:t>
-            </a:fld>
-            <a:endParaRPr lang="en-US"/>
-          </a:p>
-        </p:txBody>
-      </p:sp>
-    </p:spTree>
-    <p:extLst>
-      <p:ext uri="{BB962C8B-B14F-4D97-AF65-F5344CB8AC3E}">
-        <p14:creationId xmlns:p14="http://schemas.microsoft.com/office/powerpoint/2010/main" val="2599228718"/>
-      </p:ext>
-    </p:extLst>
-  </p:cSld>
-  <p:clrMapOvr>
-    <a:masterClrMapping/>
-  </p:clrMapOvr>
-</p:sld>
-</file>
-
-<file path=ppt/slides/slide8.xml><?xml version="1.0" encoding="utf-8"?>
-<p:sld xmlns:a="http://schemas.openxmlformats.org/drawingml/2006/main" xmlns:r="http://schemas.openxmlformats.org/officeDocument/2006/relationships" xmlns:p="http://schemas.openxmlformats.org/presentationml/2006/main">
-  <p:cSld>
-    <p:spTree>
-      <p:nvGrpSpPr>
-        <p:cNvPr id="1" name=""/>
-        <p:cNvGrpSpPr/>
-        <p:nvPr/>
-      </p:nvGrpSpPr>
-      <p:grpSpPr>
-        <a:xfrm>
-          <a:off x="0" y="0"/>
-          <a:ext cx="0" cy="0"/>
-          <a:chOff x="0" y="0"/>
-          <a:chExt cx="0" cy="0"/>
-        </a:xfrm>
-      </p:grpSpPr>
-      <p:sp>
-        <p:nvSpPr>
-          <p:cNvPr id="2" name="Title 1">
-            <a:extLst>
-              <a:ext uri="{FF2B5EF4-FFF2-40B4-BE49-F238E27FC236}">
-                <a16:creationId xmlns:a16="http://schemas.microsoft.com/office/drawing/2014/main" id="{ABB74EDE-E9E4-A20F-195A-85BE1D6B49B2}"/>
-              </a:ext>
-            </a:extLst>
-          </p:cNvPr>
-          <p:cNvSpPr>
-            <a:spLocks noGrp="1"/>
-          </p:cNvSpPr>
-          <p:nvPr>
-            <p:ph type="title"/>
-          </p:nvPr>
-        </p:nvSpPr>
-        <p:spPr>
-          <a:xfrm>
-            <a:off x="839788" y="665629"/>
-            <a:ext cx="10515600" cy="818995"/>
-          </a:xfrm>
-        </p:spPr>
-        <p:txBody>
-          <a:bodyPr anchor="ctr">
-            <a:normAutofit/>
-          </a:bodyPr>
-          <a:lstStyle/>
-          <a:p>
-            <a:r>
-              <a:rPr lang="en-US" dirty="0"/>
-              <a:t>Results</a:t>
-            </a:r>
-          </a:p>
-        </p:txBody>
-      </p:sp>
-      <p:sp>
-        <p:nvSpPr>
-          <p:cNvPr id="29" name="Text Placeholder 2">
-            <a:extLst>
-              <a:ext uri="{FF2B5EF4-FFF2-40B4-BE49-F238E27FC236}">
-                <a16:creationId xmlns:a16="http://schemas.microsoft.com/office/drawing/2014/main" id="{4B9EE653-3738-161D-E76D-65F2CB0B5FBE}"/>
-              </a:ext>
-            </a:extLst>
-          </p:cNvPr>
-          <p:cNvSpPr>
-            <a:spLocks noGrp="1"/>
-          </p:cNvSpPr>
-          <p:nvPr>
-            <p:ph type="body" idx="1"/>
-          </p:nvPr>
-        </p:nvSpPr>
-        <p:spPr>
-          <a:xfrm>
-            <a:off x="836612" y="1806039"/>
-            <a:ext cx="5157787" cy="584548"/>
-          </a:xfrm>
-        </p:spPr>
-        <p:txBody>
-          <a:bodyPr/>
-          <a:lstStyle/>
-          <a:p>
-            <a:r>
-              <a:rPr lang="en-US" dirty="0"/>
-              <a:t>Machine Learning type 1</a:t>
-            </a:r>
-          </a:p>
-        </p:txBody>
-      </p:sp>
-      <p:sp>
-        <p:nvSpPr>
-          <p:cNvPr id="31" name="Content Placeholder 3">
-            <a:extLst>
-              <a:ext uri="{FF2B5EF4-FFF2-40B4-BE49-F238E27FC236}">
-                <a16:creationId xmlns:a16="http://schemas.microsoft.com/office/drawing/2014/main" id="{B6365961-DF22-84B5-9CAE-98DB897EFA80}"/>
-              </a:ext>
-            </a:extLst>
-          </p:cNvPr>
-          <p:cNvSpPr>
-            <a:spLocks noGrp="1"/>
-          </p:cNvSpPr>
-          <p:nvPr>
-            <p:ph sz="half" idx="2"/>
-          </p:nvPr>
-        </p:nvSpPr>
-        <p:spPr>
-          <a:xfrm>
-            <a:off x="839788" y="2390588"/>
-            <a:ext cx="5157787" cy="3751268"/>
-          </a:xfrm>
-        </p:spPr>
-        <p:txBody>
-          <a:bodyPr/>
-          <a:lstStyle/>
-          <a:p>
-            <a:r>
-              <a:rPr lang="en-US" dirty="0"/>
-              <a:t>Results </a:t>
-            </a:r>
-          </a:p>
-        </p:txBody>
-      </p:sp>
-      <p:sp>
-        <p:nvSpPr>
-          <p:cNvPr id="33" name="Text Placeholder 4">
-            <a:extLst>
-              <a:ext uri="{FF2B5EF4-FFF2-40B4-BE49-F238E27FC236}">
-                <a16:creationId xmlns:a16="http://schemas.microsoft.com/office/drawing/2014/main" id="{34364ABC-F501-477B-E2AF-73C2466E66C3}"/>
-              </a:ext>
-            </a:extLst>
-          </p:cNvPr>
-          <p:cNvSpPr>
-            <a:spLocks noGrp="1"/>
-          </p:cNvSpPr>
-          <p:nvPr>
-            <p:ph type="body" sz="quarter" idx="3"/>
-          </p:nvPr>
-        </p:nvSpPr>
-        <p:spPr>
-          <a:xfrm>
-            <a:off x="6169024" y="1806038"/>
-            <a:ext cx="5183188" cy="584549"/>
-          </a:xfrm>
-        </p:spPr>
-        <p:txBody>
-          <a:bodyPr/>
-          <a:lstStyle/>
-          <a:p>
-            <a:r>
-              <a:rPr lang="en-US" dirty="0"/>
-              <a:t>Machine Learning type 2</a:t>
-            </a:r>
-          </a:p>
-        </p:txBody>
-      </p:sp>
-      <p:sp>
-        <p:nvSpPr>
-          <p:cNvPr id="35" name="Content Placeholder 5">
-            <a:extLst>
-              <a:ext uri="{FF2B5EF4-FFF2-40B4-BE49-F238E27FC236}">
-                <a16:creationId xmlns:a16="http://schemas.microsoft.com/office/drawing/2014/main" id="{4E138987-9A07-4A4D-0432-DA6BF76DCFC2}"/>
-              </a:ext>
-            </a:extLst>
-          </p:cNvPr>
-          <p:cNvSpPr>
-            <a:spLocks noGrp="1"/>
-          </p:cNvSpPr>
-          <p:nvPr>
-            <p:ph sz="quarter" idx="4"/>
-          </p:nvPr>
-        </p:nvSpPr>
-        <p:spPr>
-          <a:xfrm>
-            <a:off x="6169024" y="2390588"/>
-            <a:ext cx="5183188" cy="3751268"/>
-          </a:xfrm>
-        </p:spPr>
-        <p:txBody>
-          <a:bodyPr/>
-          <a:lstStyle/>
-          <a:p>
-            <a:r>
-              <a:rPr lang="en-US" dirty="0"/>
-              <a:t>Results </a:t>
-            </a:r>
-          </a:p>
-        </p:txBody>
-      </p:sp>
-      <p:sp>
-        <p:nvSpPr>
-          <p:cNvPr id="4" name="Date Placeholder 3">
-            <a:extLst>
-              <a:ext uri="{FF2B5EF4-FFF2-40B4-BE49-F238E27FC236}">
-                <a16:creationId xmlns:a16="http://schemas.microsoft.com/office/drawing/2014/main" id="{456F3C0F-8280-065A-827C-08E0F5C01B29}"/>
-              </a:ext>
-            </a:extLst>
-          </p:cNvPr>
-          <p:cNvSpPr>
-            <a:spLocks noGrp="1"/>
-          </p:cNvSpPr>
-          <p:nvPr>
-            <p:ph type="dt" sz="half" idx="10"/>
-          </p:nvPr>
-        </p:nvSpPr>
-        <p:spPr>
-          <a:xfrm>
-            <a:off x="258792" y="6356350"/>
-            <a:ext cx="3322608" cy="365125"/>
-          </a:xfrm>
-        </p:spPr>
-        <p:txBody>
-          <a:bodyPr anchor="ctr">
-            <a:normAutofit/>
-          </a:bodyPr>
-          <a:lstStyle/>
-          <a:p>
-            <a:pPr>
-              <a:spcAft>
-                <a:spcPts val="600"/>
-              </a:spcAft>
-            </a:pPr>
-            <a:r>
-              <a:rPr lang="en-US" dirty="0"/>
-              <a:t>2023</a:t>
-            </a:r>
-          </a:p>
-        </p:txBody>
-      </p:sp>
-      <p:sp>
-        <p:nvSpPr>
-          <p:cNvPr id="5" name="Footer Placeholder 4">
-            <a:extLst>
-              <a:ext uri="{FF2B5EF4-FFF2-40B4-BE49-F238E27FC236}">
-                <a16:creationId xmlns:a16="http://schemas.microsoft.com/office/drawing/2014/main" id="{9A8E7427-EF76-4ADE-E84C-2D205A121B99}"/>
-              </a:ext>
-            </a:extLst>
-          </p:cNvPr>
-          <p:cNvSpPr>
-            <a:spLocks noGrp="1"/>
-          </p:cNvSpPr>
-          <p:nvPr>
-            <p:ph type="ftr" sz="quarter" idx="11"/>
-          </p:nvPr>
-        </p:nvSpPr>
-        <p:spPr>
-          <a:xfrm>
-            <a:off x="3581399" y="6356350"/>
-            <a:ext cx="5029203" cy="365125"/>
-          </a:xfrm>
-        </p:spPr>
-        <p:txBody>
-          <a:bodyPr anchor="ctr">
-            <a:normAutofit/>
-          </a:bodyPr>
-          <a:lstStyle/>
-          <a:p>
-            <a:r>
-              <a:rPr lang="en-US" dirty="0"/>
-              <a:t>Forest Cover Prediction – ML Models</a:t>
-            </a:r>
-          </a:p>
-        </p:txBody>
-      </p:sp>
-      <p:sp>
-        <p:nvSpPr>
-          <p:cNvPr id="6" name="Slide Number Placeholder 5">
-            <a:extLst>
-              <a:ext uri="{FF2B5EF4-FFF2-40B4-BE49-F238E27FC236}">
-                <a16:creationId xmlns:a16="http://schemas.microsoft.com/office/drawing/2014/main" id="{6B3A6227-18C7-AD16-5B9D-1FC3447F4CEB}"/>
-              </a:ext>
-            </a:extLst>
-          </p:cNvPr>
-          <p:cNvSpPr>
-            <a:spLocks noGrp="1"/>
-          </p:cNvSpPr>
-          <p:nvPr>
-            <p:ph type="sldNum" sz="quarter" idx="12"/>
-          </p:nvPr>
-        </p:nvSpPr>
-        <p:spPr>
-          <a:xfrm>
-            <a:off x="10518474" y="6356350"/>
-            <a:ext cx="1414733" cy="365125"/>
-          </a:xfrm>
-        </p:spPr>
-        <p:txBody>
-          <a:bodyPr anchor="ctr">
-            <a:normAutofit/>
-          </a:bodyPr>
-          <a:lstStyle/>
-          <a:p>
-            <a:pPr>
-              <a:spcAft>
-                <a:spcPts val="600"/>
-              </a:spcAft>
-            </a:pPr>
-            <a:fld id="{AE208ADF-3ADD-483D-A721-14E3EEE2C135}" type="slidenum">
-              <a:rPr lang="en-US" smtClean="0"/>
-              <a:pPr>
-                <a:spcAft>
-                  <a:spcPts val="600"/>
-                </a:spcAft>
-              </a:pPr>
-              <a:t>8</a:t>
-            </a:fld>
-            <a:endParaRPr lang="en-US"/>
-          </a:p>
-        </p:txBody>
-      </p:sp>
+      </p:pic>
     </p:spTree>
     <p:extLst>
       <p:ext uri="{BB962C8B-B14F-4D97-AF65-F5344CB8AC3E}">
         <p14:creationId xmlns:p14="http://schemas.microsoft.com/office/powerpoint/2010/main" val="2870186550"/>
-      </p:ext>
-    </p:extLst>
-  </p:cSld>
-  <p:clrMapOvr>
-    <a:masterClrMapping/>
-  </p:clrMapOvr>
-</p:sld>
-</file>
-
-<file path=ppt/slides/slide9.xml><?xml version="1.0" encoding="utf-8"?>
-<p:sld xmlns:a="http://schemas.openxmlformats.org/drawingml/2006/main" xmlns:r="http://schemas.openxmlformats.org/officeDocument/2006/relationships" xmlns:p="http://schemas.openxmlformats.org/presentationml/2006/main">
-  <p:cSld>
-    <p:spTree>
-      <p:nvGrpSpPr>
-        <p:cNvPr id="1" name=""/>
-        <p:cNvGrpSpPr/>
-        <p:nvPr/>
-      </p:nvGrpSpPr>
-      <p:grpSpPr>
-        <a:xfrm>
-          <a:off x="0" y="0"/>
-          <a:ext cx="0" cy="0"/>
-          <a:chOff x="0" y="0"/>
-          <a:chExt cx="0" cy="0"/>
-        </a:xfrm>
-      </p:grpSpPr>
-      <p:sp>
-        <p:nvSpPr>
-          <p:cNvPr id="2" name="Title 1">
-            <a:extLst>
-              <a:ext uri="{FF2B5EF4-FFF2-40B4-BE49-F238E27FC236}">
-                <a16:creationId xmlns:a16="http://schemas.microsoft.com/office/drawing/2014/main" id="{1312D9BD-DC27-46DC-9C76-8EE3FDD420FD}"/>
-              </a:ext>
-            </a:extLst>
-          </p:cNvPr>
-          <p:cNvSpPr>
-            <a:spLocks noGrp="1"/>
-          </p:cNvSpPr>
-          <p:nvPr>
-            <p:ph type="title"/>
-          </p:nvPr>
-        </p:nvSpPr>
-        <p:spPr>
-          <a:xfrm>
-            <a:off x="839788" y="665629"/>
-            <a:ext cx="10515600" cy="818995"/>
-          </a:xfrm>
-        </p:spPr>
-        <p:txBody>
-          <a:bodyPr/>
-          <a:lstStyle/>
-          <a:p>
-            <a:r>
-              <a:rPr lang="en-US" dirty="0"/>
-              <a:t>Content</a:t>
-            </a:r>
-          </a:p>
-        </p:txBody>
-      </p:sp>
-      <p:sp>
-        <p:nvSpPr>
-          <p:cNvPr id="3" name="Text Placeholder 2">
-            <a:extLst>
-              <a:ext uri="{FF2B5EF4-FFF2-40B4-BE49-F238E27FC236}">
-                <a16:creationId xmlns:a16="http://schemas.microsoft.com/office/drawing/2014/main" id="{81E5C243-A360-457D-8198-B4DD8F7304BD}"/>
-              </a:ext>
-            </a:extLst>
-          </p:cNvPr>
-          <p:cNvSpPr>
-            <a:spLocks noGrp="1"/>
-          </p:cNvSpPr>
-          <p:nvPr>
-            <p:ph type="body" idx="1"/>
-          </p:nvPr>
-        </p:nvSpPr>
-        <p:spPr>
-          <a:xfrm>
-            <a:off x="836612" y="1806039"/>
-            <a:ext cx="5157787" cy="584548"/>
-          </a:xfrm>
-        </p:spPr>
-        <p:txBody>
-          <a:bodyPr/>
-          <a:lstStyle/>
-          <a:p>
-            <a:r>
-              <a:rPr lang="en-US" dirty="0"/>
-              <a:t>Subtitle</a:t>
-            </a:r>
-          </a:p>
-        </p:txBody>
-      </p:sp>
-      <p:sp>
-        <p:nvSpPr>
-          <p:cNvPr id="4" name="Content Placeholder 3">
-            <a:extLst>
-              <a:ext uri="{FF2B5EF4-FFF2-40B4-BE49-F238E27FC236}">
-                <a16:creationId xmlns:a16="http://schemas.microsoft.com/office/drawing/2014/main" id="{2D307C5A-A4E9-45ED-911E-BBC9E9339433}"/>
-              </a:ext>
-            </a:extLst>
-          </p:cNvPr>
-          <p:cNvSpPr>
-            <a:spLocks noGrp="1"/>
-          </p:cNvSpPr>
-          <p:nvPr>
-            <p:ph sz="half" idx="2"/>
-          </p:nvPr>
-        </p:nvSpPr>
-        <p:spPr>
-          <a:xfrm>
-            <a:off x="839788" y="2390588"/>
-            <a:ext cx="5157787" cy="3751268"/>
-          </a:xfrm>
-        </p:spPr>
-        <p:txBody>
-          <a:bodyPr/>
-          <a:lstStyle/>
-          <a:p>
-            <a:r>
-              <a:rPr lang="en-US" dirty="0"/>
-              <a:t>Add text, images, art, and videos. </a:t>
-            </a:r>
-          </a:p>
-          <a:p>
-            <a:r>
-              <a:rPr lang="en-US" dirty="0"/>
-              <a:t>Add transitions, animations, and motion. </a:t>
-            </a:r>
-          </a:p>
-          <a:p>
-            <a:r>
-              <a:rPr lang="en-US" dirty="0"/>
-              <a:t>Save to OneDrive, to get to your presentations from your computer, tablet, or phone. </a:t>
-            </a:r>
-          </a:p>
-        </p:txBody>
-      </p:sp>
-      <p:sp>
-        <p:nvSpPr>
-          <p:cNvPr id="5" name="Text Placeholder 4">
-            <a:extLst>
-              <a:ext uri="{FF2B5EF4-FFF2-40B4-BE49-F238E27FC236}">
-                <a16:creationId xmlns:a16="http://schemas.microsoft.com/office/drawing/2014/main" id="{2299AC0B-4829-4C65-A011-99F5FAF2D35B}"/>
-              </a:ext>
-            </a:extLst>
-          </p:cNvPr>
-          <p:cNvSpPr>
-            <a:spLocks noGrp="1"/>
-          </p:cNvSpPr>
-          <p:nvPr>
-            <p:ph type="body" sz="quarter" idx="3"/>
-          </p:nvPr>
-        </p:nvSpPr>
-        <p:spPr>
-          <a:xfrm>
-            <a:off x="6169024" y="1806038"/>
-            <a:ext cx="5183188" cy="584549"/>
-          </a:xfrm>
-        </p:spPr>
-        <p:txBody>
-          <a:bodyPr/>
-          <a:lstStyle/>
-          <a:p>
-            <a:r>
-              <a:rPr lang="en-US" dirty="0"/>
-              <a:t>Subtitle</a:t>
-            </a:r>
-          </a:p>
-        </p:txBody>
-      </p:sp>
-      <p:sp>
-        <p:nvSpPr>
-          <p:cNvPr id="6" name="Content Placeholder 5">
-            <a:extLst>
-              <a:ext uri="{FF2B5EF4-FFF2-40B4-BE49-F238E27FC236}">
-                <a16:creationId xmlns:a16="http://schemas.microsoft.com/office/drawing/2014/main" id="{437126B5-1539-4976-8B35-3D195863C0BC}"/>
-              </a:ext>
-            </a:extLst>
-          </p:cNvPr>
-          <p:cNvSpPr>
-            <a:spLocks noGrp="1"/>
-          </p:cNvSpPr>
-          <p:nvPr>
-            <p:ph sz="quarter" idx="4"/>
-          </p:nvPr>
-        </p:nvSpPr>
-        <p:spPr>
-          <a:xfrm>
-            <a:off x="6169024" y="2390588"/>
-            <a:ext cx="5183188" cy="3751268"/>
-          </a:xfrm>
-        </p:spPr>
-        <p:txBody>
-          <a:bodyPr/>
-          <a:lstStyle/>
-          <a:p>
-            <a:r>
-              <a:rPr lang="en-US" dirty="0"/>
-              <a:t>Open the Design Ideas pane for instant slide makeovers. </a:t>
-            </a:r>
-          </a:p>
-          <a:p>
-            <a:r>
-              <a:rPr lang="en-US" dirty="0"/>
-              <a:t>When we have design ideas, we’ll show them to you right there. </a:t>
-            </a:r>
-          </a:p>
-        </p:txBody>
-      </p:sp>
-      <p:sp>
-        <p:nvSpPr>
-          <p:cNvPr id="31" name="Date Placeholder 30">
-            <a:extLst>
-              <a:ext uri="{FF2B5EF4-FFF2-40B4-BE49-F238E27FC236}">
-                <a16:creationId xmlns:a16="http://schemas.microsoft.com/office/drawing/2014/main" id="{3357F65D-3D58-480C-B301-77A72059929A}"/>
-              </a:ext>
-            </a:extLst>
-          </p:cNvPr>
-          <p:cNvSpPr>
-            <a:spLocks noGrp="1"/>
-          </p:cNvSpPr>
-          <p:nvPr>
-            <p:ph type="dt" sz="half" idx="10"/>
-          </p:nvPr>
-        </p:nvSpPr>
-        <p:spPr/>
-        <p:txBody>
-          <a:bodyPr/>
-          <a:lstStyle/>
-          <a:p>
-            <a:r>
-              <a:rPr lang="en-US" dirty="0"/>
-              <a:t>2023</a:t>
-            </a:r>
-          </a:p>
-        </p:txBody>
-      </p:sp>
-      <p:sp>
-        <p:nvSpPr>
-          <p:cNvPr id="32" name="Footer Placeholder 31">
-            <a:extLst>
-              <a:ext uri="{FF2B5EF4-FFF2-40B4-BE49-F238E27FC236}">
-                <a16:creationId xmlns:a16="http://schemas.microsoft.com/office/drawing/2014/main" id="{E8F197E9-9EE5-4C27-93B9-2E44E0ED5AC3}"/>
-              </a:ext>
-            </a:extLst>
-          </p:cNvPr>
-          <p:cNvSpPr>
-            <a:spLocks noGrp="1"/>
-          </p:cNvSpPr>
-          <p:nvPr>
-            <p:ph type="ftr" sz="quarter" idx="11"/>
-          </p:nvPr>
-        </p:nvSpPr>
-        <p:spPr/>
-        <p:txBody>
-          <a:bodyPr/>
-          <a:lstStyle/>
-          <a:p>
-            <a:r>
-              <a:rPr lang="en-US" dirty="0"/>
-              <a:t>Forest Cover Prediction – ML Models</a:t>
-            </a:r>
-          </a:p>
-        </p:txBody>
-      </p:sp>
-      <p:sp>
-        <p:nvSpPr>
-          <p:cNvPr id="33" name="Slide Number Placeholder 32">
-            <a:extLst>
-              <a:ext uri="{FF2B5EF4-FFF2-40B4-BE49-F238E27FC236}">
-                <a16:creationId xmlns:a16="http://schemas.microsoft.com/office/drawing/2014/main" id="{8D0E8400-C1CB-4DB2-BF78-421C9EECDC76}"/>
-              </a:ext>
-            </a:extLst>
-          </p:cNvPr>
-          <p:cNvSpPr>
-            <a:spLocks noGrp="1"/>
-          </p:cNvSpPr>
-          <p:nvPr>
-            <p:ph type="sldNum" sz="quarter" idx="12"/>
-          </p:nvPr>
-        </p:nvSpPr>
-        <p:spPr/>
-        <p:txBody>
-          <a:bodyPr/>
-          <a:lstStyle/>
-          <a:p>
-            <a:fld id="{AE208ADF-3ADD-483D-A721-14E3EEE2C135}" type="slidenum">
-              <a:rPr lang="en-US" smtClean="0"/>
-              <a:pPr/>
-              <a:t>9</a:t>
-            </a:fld>
-            <a:endParaRPr lang="en-US" dirty="0"/>
-          </a:p>
-        </p:txBody>
-      </p:sp>
-    </p:spTree>
-    <p:extLst>
-      <p:ext uri="{BB962C8B-B14F-4D97-AF65-F5344CB8AC3E}">
-        <p14:creationId xmlns:p14="http://schemas.microsoft.com/office/powerpoint/2010/main" val="760201609"/>
       </p:ext>
     </p:extLst>
   </p:cSld>
@@ -38868,6 +40005,15 @@
 </file>
 
 <file path=customXml/item1.xml><?xml version="1.0" encoding="utf-8"?>
+<?mso-contentType ?>
+<FormTemplates xmlns="http://schemas.microsoft.com/sharepoint/v3/contenttype/forms">
+  <Display>DocumentLibraryForm</Display>
+  <Edit>DocumentLibraryForm</Edit>
+  <New>DocumentLibraryForm</New>
+</FormTemplates>
+</file>
+
+<file path=customXml/item2.xml><?xml version="1.0" encoding="utf-8"?>
 <p:properties xmlns:p="http://schemas.microsoft.com/office/2006/metadata/properties" xmlns:xsi="http://www.w3.org/2001/XMLSchema-instance" xmlns:pc="http://schemas.microsoft.com/office/infopath/2007/PartnerControls">
   <documentManagement>
     <Status xmlns="71af3243-3dd4-4a8d-8c0d-dd76da1f02a5">Not started</Status>
@@ -38884,15 +40030,6 @@
     <MediaServiceKeyPoints xmlns="71af3243-3dd4-4a8d-8c0d-dd76da1f02a5" xsi:nil="true"/>
   </documentManagement>
 </p:properties>
-</file>
-
-<file path=customXml/item2.xml><?xml version="1.0" encoding="utf-8"?>
-<?mso-contentType ?>
-<FormTemplates xmlns="http://schemas.microsoft.com/sharepoint/v3/contenttype/forms">
-  <Display>DocumentLibraryForm</Display>
-  <Edit>DocumentLibraryForm</Edit>
-  <New>DocumentLibraryForm</New>
-</FormTemplates>
 </file>
 
 <file path=customXml/item3.xml><?xml version="1.0" encoding="utf-8"?>
@@ -39172,6 +40309,14 @@
 </file>
 
 <file path=customXml/itemProps1.xml><?xml version="1.0" encoding="utf-8"?>
+<ds:datastoreItem xmlns:ds="http://schemas.openxmlformats.org/officeDocument/2006/customXml" ds:itemID="{8C0CC34A-D535-41BC-8B48-A0E1EA32D7E8}">
+  <ds:schemaRefs>
+    <ds:schemaRef ds:uri="http://schemas.microsoft.com/sharepoint/v3/contenttype/forms"/>
+  </ds:schemaRefs>
+</ds:datastoreItem>
+</file>
+
+<file path=customXml/itemProps2.xml><?xml version="1.0" encoding="utf-8"?>
 <ds:datastoreItem xmlns:ds="http://schemas.openxmlformats.org/officeDocument/2006/customXml" ds:itemID="{0E506F55-A469-454B-8FCA-6F8BCF9DAA6B}">
   <ds:schemaRefs>
     <ds:schemaRef ds:uri="http://schemas.microsoft.com/office/2006/metadata/properties"/>
@@ -39179,14 +40324,6 @@
     <ds:schemaRef ds:uri="71af3243-3dd4-4a8d-8c0d-dd76da1f02a5"/>
     <ds:schemaRef ds:uri="http://schemas.microsoft.com/sharepoint/v3"/>
     <ds:schemaRef ds:uri="230e9df3-be65-4c73-a93b-d1236ebd677e"/>
-  </ds:schemaRefs>
-</ds:datastoreItem>
-</file>
-
-<file path=customXml/itemProps2.xml><?xml version="1.0" encoding="utf-8"?>
-<ds:datastoreItem xmlns:ds="http://schemas.openxmlformats.org/officeDocument/2006/customXml" ds:itemID="{8C0CC34A-D535-41BC-8B48-A0E1EA32D7E8}">
-  <ds:schemaRefs>
-    <ds:schemaRef ds:uri="http://schemas.microsoft.com/sharepoint/v3/contenttype/forms"/>
   </ds:schemaRefs>
 </ds:datastoreItem>
 </file>
